--- a/docs/se265-capstone.pptx
+++ b/docs/se265-capstone.pptx
@@ -6,8 +6,8 @@
   </p:sldMasterIdLst>
   <p:sldIdLst>
     <p:sldId id="256" r:id="rId2"/>
-    <p:sldId id="257" r:id="rId3"/>
-    <p:sldId id="258" r:id="rId4"/>
+    <p:sldId id="258" r:id="rId3"/>
+    <p:sldId id="257" r:id="rId4"/>
     <p:sldId id="259" r:id="rId5"/>
     <p:sldId id="260" r:id="rId6"/>
     <p:sldId id="261" r:id="rId7"/>
@@ -112,6 +112,11 @@
       </a:defRPr>
     </a:lvl9pPr>
   </p:defaultTextStyle>
+  <p:extLst>
+    <p:ext uri="{EFAFB233-063F-42B5-8137-9DF3F51BA10A}">
+      <p15:sldGuideLst xmlns:p15="http://schemas.microsoft.com/office/powerpoint/2012/main"/>
+    </p:ext>
+  </p:extLst>
 </p:presentation>
 </file>
 
@@ -262,7 +267,7 @@
           <a:p>
             <a:fld id="{D8C47418-8D9C-4E85-9743-E66306926B0E}" type="datetimeFigureOut">
               <a:rPr lang="en-US" smtClean="0"/>
-              <a:t>9/9/2024</a:t>
+              <a:t>9/18/2024</a:t>
             </a:fld>
             <a:endParaRPr lang="en-US"/>
           </a:p>
@@ -460,7 +465,7 @@
           <a:p>
             <a:fld id="{D8C47418-8D9C-4E85-9743-E66306926B0E}" type="datetimeFigureOut">
               <a:rPr lang="en-US" smtClean="0"/>
-              <a:t>9/9/2024</a:t>
+              <a:t>9/18/2024</a:t>
             </a:fld>
             <a:endParaRPr lang="en-US"/>
           </a:p>
@@ -668,7 +673,7 @@
           <a:p>
             <a:fld id="{D8C47418-8D9C-4E85-9743-E66306926B0E}" type="datetimeFigureOut">
               <a:rPr lang="en-US" smtClean="0"/>
-              <a:t>9/9/2024</a:t>
+              <a:t>9/18/2024</a:t>
             </a:fld>
             <a:endParaRPr lang="en-US"/>
           </a:p>
@@ -866,7 +871,7 @@
           <a:p>
             <a:fld id="{D8C47418-8D9C-4E85-9743-E66306926B0E}" type="datetimeFigureOut">
               <a:rPr lang="en-US" smtClean="0"/>
-              <a:t>9/9/2024</a:t>
+              <a:t>9/18/2024</a:t>
             </a:fld>
             <a:endParaRPr lang="en-US"/>
           </a:p>
@@ -1141,7 +1146,7 @@
           <a:p>
             <a:fld id="{D8C47418-8D9C-4E85-9743-E66306926B0E}" type="datetimeFigureOut">
               <a:rPr lang="en-US" smtClean="0"/>
-              <a:t>9/9/2024</a:t>
+              <a:t>9/18/2024</a:t>
             </a:fld>
             <a:endParaRPr lang="en-US"/>
           </a:p>
@@ -1406,7 +1411,7 @@
           <a:p>
             <a:fld id="{D8C47418-8D9C-4E85-9743-E66306926B0E}" type="datetimeFigureOut">
               <a:rPr lang="en-US" smtClean="0"/>
-              <a:t>9/9/2024</a:t>
+              <a:t>9/18/2024</a:t>
             </a:fld>
             <a:endParaRPr lang="en-US"/>
           </a:p>
@@ -1818,7 +1823,7 @@
           <a:p>
             <a:fld id="{D8C47418-8D9C-4E85-9743-E66306926B0E}" type="datetimeFigureOut">
               <a:rPr lang="en-US" smtClean="0"/>
-              <a:t>9/9/2024</a:t>
+              <a:t>9/18/2024</a:t>
             </a:fld>
             <a:endParaRPr lang="en-US"/>
           </a:p>
@@ -1959,7 +1964,7 @@
           <a:p>
             <a:fld id="{D8C47418-8D9C-4E85-9743-E66306926B0E}" type="datetimeFigureOut">
               <a:rPr lang="en-US" smtClean="0"/>
-              <a:t>9/9/2024</a:t>
+              <a:t>9/18/2024</a:t>
             </a:fld>
             <a:endParaRPr lang="en-US"/>
           </a:p>
@@ -2072,7 +2077,7 @@
           <a:p>
             <a:fld id="{D8C47418-8D9C-4E85-9743-E66306926B0E}" type="datetimeFigureOut">
               <a:rPr lang="en-US" smtClean="0"/>
-              <a:t>9/9/2024</a:t>
+              <a:t>9/18/2024</a:t>
             </a:fld>
             <a:endParaRPr lang="en-US"/>
           </a:p>
@@ -2383,7 +2388,7 @@
           <a:p>
             <a:fld id="{D8C47418-8D9C-4E85-9743-E66306926B0E}" type="datetimeFigureOut">
               <a:rPr lang="en-US" smtClean="0"/>
-              <a:t>9/9/2024</a:t>
+              <a:t>9/18/2024</a:t>
             </a:fld>
             <a:endParaRPr lang="en-US"/>
           </a:p>
@@ -2671,7 +2676,7 @@
           <a:p>
             <a:fld id="{D8C47418-8D9C-4E85-9743-E66306926B0E}" type="datetimeFigureOut">
               <a:rPr lang="en-US" smtClean="0"/>
-              <a:t>9/9/2024</a:t>
+              <a:t>9/18/2024</a:t>
             </a:fld>
             <a:endParaRPr lang="en-US"/>
           </a:p>
@@ -2912,7 +2917,7 @@
           <a:p>
             <a:fld id="{D8C47418-8D9C-4E85-9743-E66306926B0E}" type="datetimeFigureOut">
               <a:rPr lang="en-US" smtClean="0"/>
-              <a:t>9/9/2024</a:t>
+              <a:t>9/18/2024</a:t>
             </a:fld>
             <a:endParaRPr lang="en-US"/>
           </a:p>
@@ -3315,6 +3320,14 @@
 <file path=ppt/slides/slide1.xml><?xml version="1.0" encoding="utf-8"?>
 <p:sld xmlns:a="http://schemas.openxmlformats.org/drawingml/2006/main" xmlns:r="http://schemas.openxmlformats.org/officeDocument/2006/relationships" xmlns:p="http://schemas.openxmlformats.org/presentationml/2006/main">
   <p:cSld>
+    <p:bg>
+      <p:bgPr>
+        <a:solidFill>
+          <a:schemeClr val="bg1"/>
+        </a:solidFill>
+        <a:effectLst/>
+      </p:bgPr>
+    </p:bg>
     <p:spTree>
       <p:nvGrpSpPr>
         <p:cNvPr id="1" name=""/>
@@ -3329,6 +3342,52 @@
           <a:chExt cx="0" cy="0"/>
         </a:xfrm>
       </p:grpSpPr>
+      <p:pic>
+        <p:nvPicPr>
+          <p:cNvPr id="4" name="Picture 10" descr="Cool dark backgrounds wallpaper black texture - Black Texture PPT Background">
+            <a:extLst>
+              <a:ext uri="{FF2B5EF4-FFF2-40B4-BE49-F238E27FC236}">
+                <a16:creationId xmlns:a16="http://schemas.microsoft.com/office/drawing/2014/main" id="{FD8E815A-DCCB-DE5E-AB3B-7EF2CBB3EC46}"/>
+              </a:ext>
+            </a:extLst>
+          </p:cNvPr>
+          <p:cNvPicPr>
+            <a:picLocks noChangeAspect="1" noChangeArrowheads="1"/>
+          </p:cNvPicPr>
+          <p:nvPr/>
+        </p:nvPicPr>
+        <p:blipFill>
+          <a:blip r:embed="rId2">
+            <a:alphaModFix amt="40000"/>
+            <a:extLst>
+              <a:ext uri="{28A0092B-C50C-407E-A947-70E740481C1C}">
+                <a14:useLocalDpi xmlns:a14="http://schemas.microsoft.com/office/drawing/2010/main" val="0"/>
+              </a:ext>
+            </a:extLst>
+          </a:blip>
+          <a:srcRect t="3788" b="6212"/>
+          <a:stretch/>
+        </p:blipFill>
+        <p:spPr bwMode="auto">
+          <a:xfrm>
+            <a:off x="20" y="10"/>
+            <a:ext cx="12191980" cy="6857990"/>
+          </a:xfrm>
+          <a:prstGeom prst="rect">
+            <a:avLst/>
+          </a:prstGeom>
+          <a:noFill/>
+          <a:extLst>
+            <a:ext uri="{909E8E84-426E-40DD-AFC4-6F175D3DCCD1}">
+              <a14:hiddenFill xmlns:a14="http://schemas.microsoft.com/office/drawing/2010/main">
+                <a:solidFill>
+                  <a:srgbClr val="FFFFFF"/>
+                </a:solidFill>
+              </a14:hiddenFill>
+            </a:ext>
+          </a:extLst>
+        </p:spPr>
+      </p:pic>
       <p:sp>
         <p:nvSpPr>
           <p:cNvPr id="2" name="Title 1">
@@ -3345,14 +3404,32 @@
             <p:ph type="ctrTitle"/>
           </p:nvPr>
         </p:nvSpPr>
-        <p:spPr/>
-        <p:txBody>
-          <a:bodyPr/>
-          <a:lstStyle/>
-          <a:p>
-            <a:r>
-              <a:rPr lang="en-US" dirty="0"/>
-              <a:t>Capstone</a:t>
+        <p:spPr>
+          <a:xfrm>
+            <a:off x="965200" y="965200"/>
+            <a:ext cx="10261600" cy="3566160"/>
+          </a:xfrm>
+        </p:spPr>
+        <p:txBody>
+          <a:bodyPr>
+            <a:normAutofit/>
+          </a:bodyPr>
+          <a:lstStyle/>
+          <a:p>
+            <a:pPr algn="l"/>
+            <a:r>
+              <a:rPr lang="en-US" sz="11500" dirty="0">
+                <a:ln w="22225">
+                  <a:solidFill>
+                    <a:schemeClr val="tx1"/>
+                  </a:solidFill>
+                  <a:miter lim="800000"/>
+                </a:ln>
+                <a:noFill/>
+                <a:latin typeface="Verdana" panose="020B0604030504040204" pitchFamily="34" charset="0"/>
+                <a:ea typeface="Verdana" panose="020B0604030504040204" pitchFamily="34" charset="0"/>
+              </a:rPr>
+              <a:t>SE265 Capstone</a:t>
             </a:r>
           </a:p>
         </p:txBody>
@@ -3373,12 +3450,26 @@
             <p:ph type="subTitle" idx="1"/>
           </p:nvPr>
         </p:nvSpPr>
-        <p:spPr/>
-        <p:txBody>
-          <a:bodyPr/>
-          <a:lstStyle/>
-          <a:p>
-            <a:endParaRPr lang="en-US"/>
+        <p:spPr>
+          <a:xfrm>
+            <a:off x="965200" y="4572002"/>
+            <a:ext cx="10261600" cy="1202995"/>
+          </a:xfrm>
+        </p:spPr>
+        <p:txBody>
+          <a:bodyPr>
+            <a:normAutofit/>
+          </a:bodyPr>
+          <a:lstStyle/>
+          <a:p>
+            <a:pPr algn="l"/>
+            <a:r>
+              <a:rPr lang="en-US" sz="3200" dirty="0">
+                <a:latin typeface="Verdana" panose="020B0604030504040204" pitchFamily="34" charset="0"/>
+                <a:ea typeface="Verdana" panose="020B0604030504040204" pitchFamily="34" charset="0"/>
+              </a:rPr>
+              <a:t>By AJ Saporito and Tristen Jussaume</a:t>
+            </a:r>
           </a:p>
         </p:txBody>
       </p:sp>
@@ -3390,7 +3481,7 @@
     </p:extLst>
   </p:cSld>
   <p:clrMapOvr>
-    <a:masterClrMapping/>
+    <a:overrideClrMapping bg1="dk1" tx1="lt1" bg2="dk2" tx2="lt2" accent1="accent1" accent2="accent2" accent3="accent3" accent4="accent4" accent5="accent5" accent6="accent6" hlink="hlink" folHlink="folHlink"/>
   </p:clrMapOvr>
 </p:sld>
 </file>
@@ -3412,12 +3503,59 @@
           <a:chExt cx="0" cy="0"/>
         </a:xfrm>
       </p:grpSpPr>
+      <p:pic>
+        <p:nvPicPr>
+          <p:cNvPr id="4" name="Picture 10" descr="Cool dark backgrounds wallpaper black texture - Black Texture PPT Background">
+            <a:extLst>
+              <a:ext uri="{FF2B5EF4-FFF2-40B4-BE49-F238E27FC236}">
+                <a16:creationId xmlns:a16="http://schemas.microsoft.com/office/drawing/2014/main" id="{6E711BCA-329E-29F2-1076-E5F210F7D8D2}"/>
+              </a:ext>
+            </a:extLst>
+          </p:cNvPr>
+          <p:cNvPicPr>
+            <a:picLocks noChangeAspect="1" noChangeArrowheads="1"/>
+          </p:cNvPicPr>
+          <p:nvPr/>
+        </p:nvPicPr>
+        <p:blipFill>
+          <a:blip r:embed="rId2">
+            <a:extLst>
+              <a:ext uri="{28A0092B-C50C-407E-A947-70E740481C1C}">
+                <a14:useLocalDpi xmlns:a14="http://schemas.microsoft.com/office/drawing/2010/main" val="0"/>
+              </a:ext>
+            </a:extLst>
+          </a:blip>
+          <a:srcRect/>
+          <a:stretch>
+            <a:fillRect/>
+          </a:stretch>
+        </p:blipFill>
+        <p:spPr bwMode="auto">
+          <a:xfrm>
+            <a:off x="0" y="0"/>
+            <a:ext cx="12192000" cy="6858000"/>
+          </a:xfrm>
+          <a:prstGeom prst="rect">
+            <a:avLst/>
+          </a:prstGeom>
+          <a:noFill/>
+          <a:extLst>
+            <a:ext uri="{909E8E84-426E-40DD-AFC4-6F175D3DCCD1}">
+              <a14:hiddenFill xmlns:a14="http://schemas.microsoft.com/office/drawing/2010/main">
+                <a:solidFill>
+                  <a:srgbClr val="FFFFFF"/>
+                </a:solidFill>
+              </a14:hiddenFill>
+            </a:ext>
+          </a:extLst>
+        </p:spPr>
+      </p:pic>
       <p:sp>
         <p:nvSpPr>
           <p:cNvPr id="2" name="Title 1">
             <a:extLst>
               <a:ext uri="{FF2B5EF4-FFF2-40B4-BE49-F238E27FC236}">
-                <a16:creationId xmlns:a16="http://schemas.microsoft.com/office/drawing/2014/main" id="{E2A70BBC-5709-61C4-1B8D-47607551409D}"/>
+                <a16:creationId xmlns:a16="http://schemas.microsoft.com/office/drawing/2014/main" id="{7D626A27-F995-3EDF-4E05-AA257FF032EF}"/>
               </a:ext>
             </a:extLst>
           </p:cNvPr>
@@ -3434,8 +3572,14 @@
           <a:lstStyle/>
           <a:p>
             <a:r>
-              <a:rPr lang="en-US" dirty="0"/>
-              <a:t>Team Members</a:t>
+              <a:rPr lang="en-US" b="1" dirty="0">
+                <a:solidFill>
+                  <a:schemeClr val="bg1"/>
+                </a:solidFill>
+                <a:latin typeface="Verdana" panose="020B0604030504040204" pitchFamily="34" charset="0"/>
+                <a:ea typeface="Verdana" panose="020B0604030504040204" pitchFamily="34" charset="0"/>
+              </a:rPr>
+              <a:t>Project Overview</a:t>
             </a:r>
           </a:p>
         </p:txBody>
@@ -3445,7 +3589,7 @@
           <p:cNvPr id="3" name="Content Placeholder 2">
             <a:extLst>
               <a:ext uri="{FF2B5EF4-FFF2-40B4-BE49-F238E27FC236}">
-                <a16:creationId xmlns:a16="http://schemas.microsoft.com/office/drawing/2014/main" id="{15D7F03D-2F48-5B84-3171-85DA037DB90F}"/>
+                <a16:creationId xmlns:a16="http://schemas.microsoft.com/office/drawing/2014/main" id="{AE56B24E-AC3E-E9D6-9FCD-E75B8060B784}"/>
               </a:ext>
             </a:extLst>
           </p:cNvPr>
@@ -3461,14 +3605,74 @@
           <a:bodyPr/>
           <a:lstStyle/>
           <a:p>
-            <a:endParaRPr lang="en-US"/>
-          </a:p>
-        </p:txBody>
-      </p:sp>
+            <a:r>
+              <a:rPr lang="en-US" dirty="0">
+                <a:solidFill>
+                  <a:schemeClr val="bg1"/>
+                </a:solidFill>
+                <a:latin typeface="Verdana" panose="020B0604030504040204" pitchFamily="34" charset="0"/>
+                <a:ea typeface="Verdana" panose="020B0604030504040204" pitchFamily="34" charset="0"/>
+              </a:rPr>
+              <a:t>Users on this site can post or request to work on jobs related to software development.</a:t>
+            </a:r>
+          </a:p>
+          <a:p>
+            <a:r>
+              <a:rPr lang="en-US" dirty="0">
+                <a:solidFill>
+                  <a:schemeClr val="bg1"/>
+                </a:solidFill>
+                <a:latin typeface="Verdana" panose="020B0604030504040204" pitchFamily="34" charset="0"/>
+                <a:ea typeface="Verdana" panose="020B0604030504040204" pitchFamily="34" charset="0"/>
+              </a:rPr>
+              <a:t>When a user is satisfied with their job and the results, they can leave a review towards whoever worked on it.</a:t>
+            </a:r>
+          </a:p>
+          <a:p>
+            <a:endParaRPr lang="en-US" dirty="0"/>
+          </a:p>
+        </p:txBody>
+      </p:sp>
+      <p:pic>
+        <p:nvPicPr>
+          <p:cNvPr id="5" name="Content Placeholder 7">
+            <a:extLst>
+              <a:ext uri="{FF2B5EF4-FFF2-40B4-BE49-F238E27FC236}">
+                <a16:creationId xmlns:a16="http://schemas.microsoft.com/office/drawing/2014/main" id="{F2C4E682-8635-D7C2-F208-D7751EB74EF9}"/>
+              </a:ext>
+            </a:extLst>
+          </p:cNvPr>
+          <p:cNvPicPr>
+            <a:picLocks noChangeAspect="1"/>
+          </p:cNvPicPr>
+          <p:nvPr/>
+        </p:nvPicPr>
+        <p:blipFill>
+          <a:blip r:embed="rId3">
+            <a:extLst>
+              <a:ext uri="{96DAC541-7B7A-43D3-8B79-37D633B846F1}">
+                <asvg:svgBlip xmlns:asvg="http://schemas.microsoft.com/office/drawing/2016/SVG/main" r:embed="rId4"/>
+              </a:ext>
+            </a:extLst>
+          </a:blip>
+          <a:stretch>
+            <a:fillRect/>
+          </a:stretch>
+        </p:blipFill>
+        <p:spPr>
+          <a:xfrm>
+            <a:off x="838200" y="4233672"/>
+            <a:ext cx="2597785" cy="2078228"/>
+          </a:xfrm>
+          <a:prstGeom prst="rect">
+            <a:avLst/>
+          </a:prstGeom>
+        </p:spPr>
+      </p:pic>
     </p:spTree>
     <p:extLst>
       <p:ext uri="{BB962C8B-B14F-4D97-AF65-F5344CB8AC3E}">
-        <p14:creationId xmlns:p14="http://schemas.microsoft.com/office/powerpoint/2010/main" val="4151172344"/>
+        <p14:creationId xmlns:p14="http://schemas.microsoft.com/office/powerpoint/2010/main" val="2676401164"/>
       </p:ext>
     </p:extLst>
   </p:cSld>
@@ -3495,12 +3699,59 @@
           <a:chExt cx="0" cy="0"/>
         </a:xfrm>
       </p:grpSpPr>
+      <p:pic>
+        <p:nvPicPr>
+          <p:cNvPr id="4" name="Picture 10" descr="Cool dark backgrounds wallpaper black texture - Black Texture PPT Background">
+            <a:extLst>
+              <a:ext uri="{FF2B5EF4-FFF2-40B4-BE49-F238E27FC236}">
+                <a16:creationId xmlns:a16="http://schemas.microsoft.com/office/drawing/2014/main" id="{80D22DF9-AA59-FA18-E62E-85E28F4CB179}"/>
+              </a:ext>
+            </a:extLst>
+          </p:cNvPr>
+          <p:cNvPicPr>
+            <a:picLocks noChangeAspect="1" noChangeArrowheads="1"/>
+          </p:cNvPicPr>
+          <p:nvPr/>
+        </p:nvPicPr>
+        <p:blipFill>
+          <a:blip r:embed="rId2">
+            <a:extLst>
+              <a:ext uri="{28A0092B-C50C-407E-A947-70E740481C1C}">
+                <a14:useLocalDpi xmlns:a14="http://schemas.microsoft.com/office/drawing/2010/main" val="0"/>
+              </a:ext>
+            </a:extLst>
+          </a:blip>
+          <a:srcRect/>
+          <a:stretch>
+            <a:fillRect/>
+          </a:stretch>
+        </p:blipFill>
+        <p:spPr bwMode="auto">
+          <a:xfrm>
+            <a:off x="0" y="0"/>
+            <a:ext cx="12192000" cy="6858000"/>
+          </a:xfrm>
+          <a:prstGeom prst="rect">
+            <a:avLst/>
+          </a:prstGeom>
+          <a:noFill/>
+          <a:extLst>
+            <a:ext uri="{909E8E84-426E-40DD-AFC4-6F175D3DCCD1}">
+              <a14:hiddenFill xmlns:a14="http://schemas.microsoft.com/office/drawing/2010/main">
+                <a:solidFill>
+                  <a:srgbClr val="FFFFFF"/>
+                </a:solidFill>
+              </a14:hiddenFill>
+            </a:ext>
+          </a:extLst>
+        </p:spPr>
+      </p:pic>
       <p:sp>
         <p:nvSpPr>
           <p:cNvPr id="2" name="Title 1">
             <a:extLst>
               <a:ext uri="{FF2B5EF4-FFF2-40B4-BE49-F238E27FC236}">
-                <a16:creationId xmlns:a16="http://schemas.microsoft.com/office/drawing/2014/main" id="{7D626A27-F995-3EDF-4E05-AA257FF032EF}"/>
+                <a16:creationId xmlns:a16="http://schemas.microsoft.com/office/drawing/2014/main" id="{E2A70BBC-5709-61C4-1B8D-47607551409D}"/>
               </a:ext>
             </a:extLst>
           </p:cNvPr>
@@ -3517,8 +3768,14 @@
           <a:lstStyle/>
           <a:p>
             <a:r>
-              <a:rPr lang="en-US" dirty="0"/>
-              <a:t>Project Overview</a:t>
+              <a:rPr lang="en-US" b="1" dirty="0">
+                <a:solidFill>
+                  <a:schemeClr val="bg1"/>
+                </a:solidFill>
+                <a:latin typeface="Verdana" panose="020B0604030504040204" pitchFamily="34" charset="0"/>
+                <a:ea typeface="Verdana" panose="020B0604030504040204" pitchFamily="34" charset="0"/>
+              </a:rPr>
+              <a:t>Team Members Contributions</a:t>
             </a:r>
           </a:p>
         </p:txBody>
@@ -3528,7 +3785,7 @@
           <p:cNvPr id="3" name="Content Placeholder 2">
             <a:extLst>
               <a:ext uri="{FF2B5EF4-FFF2-40B4-BE49-F238E27FC236}">
-                <a16:creationId xmlns:a16="http://schemas.microsoft.com/office/drawing/2014/main" id="{AE56B24E-AC3E-E9D6-9FCD-E75B8060B784}"/>
+                <a16:creationId xmlns:a16="http://schemas.microsoft.com/office/drawing/2014/main" id="{15D7F03D-2F48-5B84-3171-85DA037DB90F}"/>
               </a:ext>
             </a:extLst>
           </p:cNvPr>
@@ -3539,19 +3796,536 @@
             <p:ph idx="1"/>
           </p:nvPr>
         </p:nvSpPr>
-        <p:spPr/>
-        <p:txBody>
-          <a:bodyPr/>
-          <a:lstStyle/>
-          <a:p>
-            <a:endParaRPr lang="en-US"/>
+        <p:spPr>
+          <a:xfrm>
+            <a:off x="838200" y="1825625"/>
+            <a:ext cx="5257800" cy="4351338"/>
+          </a:xfrm>
+        </p:spPr>
+        <p:txBody>
+          <a:bodyPr>
+            <a:normAutofit lnSpcReduction="10000"/>
+          </a:bodyPr>
+          <a:lstStyle/>
+          <a:p>
+            <a:pPr marL="0" indent="0">
+              <a:buNone/>
+            </a:pPr>
+            <a:r>
+              <a:rPr lang="en-US" b="1" dirty="0">
+                <a:solidFill>
+                  <a:schemeClr val="bg1"/>
+                </a:solidFill>
+                <a:latin typeface="Verdana" panose="020B0604030504040204" pitchFamily="34" charset="0"/>
+                <a:ea typeface="Verdana" panose="020B0604030504040204" pitchFamily="34" charset="0"/>
+              </a:rPr>
+              <a:t>AJ Saporito</a:t>
+            </a:r>
+          </a:p>
+          <a:p>
+            <a:pPr marL="0" indent="0">
+              <a:buNone/>
+            </a:pPr>
+            <a:endParaRPr lang="en-US" b="1" dirty="0">
+              <a:solidFill>
+                <a:schemeClr val="bg1"/>
+              </a:solidFill>
+              <a:latin typeface="Verdana" panose="020B0604030504040204" pitchFamily="34" charset="0"/>
+              <a:ea typeface="Verdana" panose="020B0604030504040204" pitchFamily="34" charset="0"/>
+            </a:endParaRPr>
+          </a:p>
+          <a:p>
+            <a:r>
+              <a:rPr lang="en-US" sz="2400" b="0" dirty="0">
+                <a:solidFill>
+                  <a:schemeClr val="bg1"/>
+                </a:solidFill>
+                <a:effectLst/>
+                <a:latin typeface="Verdana" panose="020B0604030504040204" pitchFamily="34" charset="0"/>
+                <a:ea typeface="Verdana" panose="020B0604030504040204" pitchFamily="34" charset="0"/>
+              </a:rPr>
+              <a:t>Technical design</a:t>
+            </a:r>
+          </a:p>
+          <a:p>
+            <a:r>
+              <a:rPr lang="en-US" sz="2400" b="0" dirty="0">
+                <a:solidFill>
+                  <a:schemeClr val="bg1"/>
+                </a:solidFill>
+                <a:effectLst/>
+                <a:latin typeface="Verdana" panose="020B0604030504040204" pitchFamily="34" charset="0"/>
+                <a:ea typeface="Verdana" panose="020B0604030504040204" pitchFamily="34" charset="0"/>
+              </a:rPr>
+              <a:t>Navbar/footer</a:t>
+            </a:r>
+          </a:p>
+          <a:p>
+            <a:r>
+              <a:rPr lang="en-US" sz="2400" b="0" dirty="0">
+                <a:solidFill>
+                  <a:schemeClr val="bg1"/>
+                </a:solidFill>
+                <a:effectLst/>
+                <a:latin typeface="Verdana" panose="020B0604030504040204" pitchFamily="34" charset="0"/>
+                <a:ea typeface="Verdana" panose="020B0604030504040204" pitchFamily="34" charset="0"/>
+              </a:rPr>
+              <a:t>Login/signup</a:t>
+            </a:r>
+          </a:p>
+          <a:p>
+            <a:r>
+              <a:rPr lang="en-US" sz="2400" b="0" dirty="0">
+                <a:solidFill>
+                  <a:schemeClr val="bg1"/>
+                </a:solidFill>
+                <a:effectLst/>
+                <a:latin typeface="Verdana" panose="020B0604030504040204" pitchFamily="34" charset="0"/>
+                <a:ea typeface="Verdana" panose="020B0604030504040204" pitchFamily="34" charset="0"/>
+              </a:rPr>
+              <a:t>Edit user settings</a:t>
+            </a:r>
+          </a:p>
+          <a:p>
+            <a:r>
+              <a:rPr lang="en-US" sz="2400" b="0" dirty="0">
+                <a:solidFill>
+                  <a:schemeClr val="bg1"/>
+                </a:solidFill>
+                <a:effectLst/>
+                <a:latin typeface="Verdana" panose="020B0604030504040204" pitchFamily="34" charset="0"/>
+                <a:ea typeface="Verdana" panose="020B0604030504040204" pitchFamily="34" charset="0"/>
+              </a:rPr>
+              <a:t>Delete profile</a:t>
+            </a:r>
+          </a:p>
+          <a:p>
+            <a:r>
+              <a:rPr lang="en-US" sz="2400" b="0" dirty="0">
+                <a:solidFill>
+                  <a:schemeClr val="bg1"/>
+                </a:solidFill>
+                <a:effectLst/>
+                <a:latin typeface="Verdana" panose="020B0604030504040204" pitchFamily="34" charset="0"/>
+                <a:ea typeface="Verdana" panose="020B0604030504040204" pitchFamily="34" charset="0"/>
+              </a:rPr>
+              <a:t>Adding reviews</a:t>
+            </a:r>
+          </a:p>
+          <a:p>
+            <a:r>
+              <a:rPr lang="en-US" sz="2400" b="0" dirty="0">
+                <a:solidFill>
+                  <a:schemeClr val="bg1"/>
+                </a:solidFill>
+                <a:effectLst/>
+                <a:latin typeface="Verdana" panose="020B0604030504040204" pitchFamily="34" charset="0"/>
+                <a:ea typeface="Verdana" panose="020B0604030504040204" pitchFamily="34" charset="0"/>
+              </a:rPr>
+              <a:t>Adding jobs</a:t>
+            </a:r>
+          </a:p>
+          <a:p>
+            <a:r>
+              <a:rPr lang="en-US" sz="2400" b="0" dirty="0">
+                <a:solidFill>
+                  <a:schemeClr val="bg1"/>
+                </a:solidFill>
+                <a:effectLst/>
+                <a:latin typeface="Verdana" panose="020B0604030504040204" pitchFamily="34" charset="0"/>
+                <a:ea typeface="Verdana" panose="020B0604030504040204" pitchFamily="34" charset="0"/>
+              </a:rPr>
+              <a:t>Searching for users/jobs</a:t>
+            </a:r>
+          </a:p>
+          <a:p>
+            <a:endParaRPr lang="en-US" sz="2400" b="0" dirty="0">
+              <a:solidFill>
+                <a:srgbClr val="CCCCCC"/>
+              </a:solidFill>
+              <a:effectLst/>
+              <a:latin typeface="Verdana" panose="020B0604030504040204" pitchFamily="34" charset="0"/>
+              <a:ea typeface="Verdana" panose="020B0604030504040204" pitchFamily="34" charset="0"/>
+            </a:endParaRPr>
+          </a:p>
+          <a:p>
+            <a:endParaRPr lang="en-US" b="0" dirty="0">
+              <a:solidFill>
+                <a:srgbClr val="CCCCCC"/>
+              </a:solidFill>
+              <a:effectLst/>
+              <a:latin typeface="Consolas" panose="020B0609020204030204" pitchFamily="49" charset="0"/>
+            </a:endParaRPr>
+          </a:p>
+          <a:p>
+            <a:endParaRPr lang="en-US" b="0" dirty="0">
+              <a:solidFill>
+                <a:srgbClr val="CCCCCC"/>
+              </a:solidFill>
+              <a:effectLst/>
+              <a:latin typeface="Consolas" panose="020B0609020204030204" pitchFamily="49" charset="0"/>
+            </a:endParaRPr>
+          </a:p>
+          <a:p>
+            <a:endParaRPr lang="en-US" b="1" dirty="0">
+              <a:solidFill>
+                <a:schemeClr val="bg1"/>
+              </a:solidFill>
+              <a:latin typeface="Verdana" panose="020B0604030504040204" pitchFamily="34" charset="0"/>
+              <a:ea typeface="Verdana" panose="020B0604030504040204" pitchFamily="34" charset="0"/>
+            </a:endParaRPr>
+          </a:p>
+          <a:p>
+            <a:endParaRPr lang="en-US" b="1" dirty="0">
+              <a:solidFill>
+                <a:schemeClr val="bg1"/>
+              </a:solidFill>
+              <a:latin typeface="Verdana" panose="020B0604030504040204" pitchFamily="34" charset="0"/>
+              <a:ea typeface="Verdana" panose="020B0604030504040204" pitchFamily="34" charset="0"/>
+            </a:endParaRPr>
+          </a:p>
+        </p:txBody>
+      </p:sp>
+      <p:sp>
+        <p:nvSpPr>
+          <p:cNvPr id="5" name="Content Placeholder 2">
+            <a:extLst>
+              <a:ext uri="{FF2B5EF4-FFF2-40B4-BE49-F238E27FC236}">
+                <a16:creationId xmlns:a16="http://schemas.microsoft.com/office/drawing/2014/main" id="{51E4668C-5A71-F38F-141E-F6D946F41DDC}"/>
+              </a:ext>
+            </a:extLst>
+          </p:cNvPr>
+          <p:cNvSpPr txBox="1">
+            <a:spLocks/>
+          </p:cNvSpPr>
+          <p:nvPr/>
+        </p:nvSpPr>
+        <p:spPr>
+          <a:xfrm>
+            <a:off x="6096000" y="1825625"/>
+            <a:ext cx="5257800" cy="4351338"/>
+          </a:xfrm>
+          <a:prstGeom prst="rect">
+            <a:avLst/>
+          </a:prstGeom>
+        </p:spPr>
+        <p:txBody>
+          <a:bodyPr vert="horz" lIns="91440" tIns="45720" rIns="91440" bIns="45720" rtlCol="0">
+            <a:normAutofit fontScale="92500" lnSpcReduction="10000"/>
+          </a:bodyPr>
+          <a:lstStyle>
+            <a:lvl1pPr marL="228600" indent="-228600" algn="l" defTabSz="914400" rtl="0" eaLnBrk="1" latinLnBrk="0" hangingPunct="1">
+              <a:lnSpc>
+                <a:spcPct val="90000"/>
+              </a:lnSpc>
+              <a:spcBef>
+                <a:spcPts val="1000"/>
+              </a:spcBef>
+              <a:buFont typeface="Arial" panose="020B0604020202020204" pitchFamily="34" charset="0"/>
+              <a:buChar char="•"/>
+              <a:defRPr sz="2800" kern="1200">
+                <a:solidFill>
+                  <a:schemeClr val="tx1"/>
+                </a:solidFill>
+                <a:latin typeface="+mn-lt"/>
+                <a:ea typeface="+mn-ea"/>
+                <a:cs typeface="+mn-cs"/>
+              </a:defRPr>
+            </a:lvl1pPr>
+            <a:lvl2pPr marL="685800" indent="-228600" algn="l" defTabSz="914400" rtl="0" eaLnBrk="1" latinLnBrk="0" hangingPunct="1">
+              <a:lnSpc>
+                <a:spcPct val="90000"/>
+              </a:lnSpc>
+              <a:spcBef>
+                <a:spcPts val="500"/>
+              </a:spcBef>
+              <a:buFont typeface="Arial" panose="020B0604020202020204" pitchFamily="34" charset="0"/>
+              <a:buChar char="•"/>
+              <a:defRPr sz="2400" kern="1200">
+                <a:solidFill>
+                  <a:schemeClr val="tx1"/>
+                </a:solidFill>
+                <a:latin typeface="+mn-lt"/>
+                <a:ea typeface="+mn-ea"/>
+                <a:cs typeface="+mn-cs"/>
+              </a:defRPr>
+            </a:lvl2pPr>
+            <a:lvl3pPr marL="1143000" indent="-228600" algn="l" defTabSz="914400" rtl="0" eaLnBrk="1" latinLnBrk="0" hangingPunct="1">
+              <a:lnSpc>
+                <a:spcPct val="90000"/>
+              </a:lnSpc>
+              <a:spcBef>
+                <a:spcPts val="500"/>
+              </a:spcBef>
+              <a:buFont typeface="Arial" panose="020B0604020202020204" pitchFamily="34" charset="0"/>
+              <a:buChar char="•"/>
+              <a:defRPr sz="2000" kern="1200">
+                <a:solidFill>
+                  <a:schemeClr val="tx1"/>
+                </a:solidFill>
+                <a:latin typeface="+mn-lt"/>
+                <a:ea typeface="+mn-ea"/>
+                <a:cs typeface="+mn-cs"/>
+              </a:defRPr>
+            </a:lvl3pPr>
+            <a:lvl4pPr marL="1600200" indent="-228600" algn="l" defTabSz="914400" rtl="0" eaLnBrk="1" latinLnBrk="0" hangingPunct="1">
+              <a:lnSpc>
+                <a:spcPct val="90000"/>
+              </a:lnSpc>
+              <a:spcBef>
+                <a:spcPts val="500"/>
+              </a:spcBef>
+              <a:buFont typeface="Arial" panose="020B0604020202020204" pitchFamily="34" charset="0"/>
+              <a:buChar char="•"/>
+              <a:defRPr sz="1800" kern="1200">
+                <a:solidFill>
+                  <a:schemeClr val="tx1"/>
+                </a:solidFill>
+                <a:latin typeface="+mn-lt"/>
+                <a:ea typeface="+mn-ea"/>
+                <a:cs typeface="+mn-cs"/>
+              </a:defRPr>
+            </a:lvl4pPr>
+            <a:lvl5pPr marL="2057400" indent="-228600" algn="l" defTabSz="914400" rtl="0" eaLnBrk="1" latinLnBrk="0" hangingPunct="1">
+              <a:lnSpc>
+                <a:spcPct val="90000"/>
+              </a:lnSpc>
+              <a:spcBef>
+                <a:spcPts val="500"/>
+              </a:spcBef>
+              <a:buFont typeface="Arial" panose="020B0604020202020204" pitchFamily="34" charset="0"/>
+              <a:buChar char="•"/>
+              <a:defRPr sz="1800" kern="1200">
+                <a:solidFill>
+                  <a:schemeClr val="tx1"/>
+                </a:solidFill>
+                <a:latin typeface="+mn-lt"/>
+                <a:ea typeface="+mn-ea"/>
+                <a:cs typeface="+mn-cs"/>
+              </a:defRPr>
+            </a:lvl5pPr>
+            <a:lvl6pPr marL="2514600" indent="-228600" algn="l" defTabSz="914400" rtl="0" eaLnBrk="1" latinLnBrk="0" hangingPunct="1">
+              <a:lnSpc>
+                <a:spcPct val="90000"/>
+              </a:lnSpc>
+              <a:spcBef>
+                <a:spcPts val="500"/>
+              </a:spcBef>
+              <a:buFont typeface="Arial" panose="020B0604020202020204" pitchFamily="34" charset="0"/>
+              <a:buChar char="•"/>
+              <a:defRPr sz="1800" kern="1200">
+                <a:solidFill>
+                  <a:schemeClr val="tx1"/>
+                </a:solidFill>
+                <a:latin typeface="+mn-lt"/>
+                <a:ea typeface="+mn-ea"/>
+                <a:cs typeface="+mn-cs"/>
+              </a:defRPr>
+            </a:lvl6pPr>
+            <a:lvl7pPr marL="2971800" indent="-228600" algn="l" defTabSz="914400" rtl="0" eaLnBrk="1" latinLnBrk="0" hangingPunct="1">
+              <a:lnSpc>
+                <a:spcPct val="90000"/>
+              </a:lnSpc>
+              <a:spcBef>
+                <a:spcPts val="500"/>
+              </a:spcBef>
+              <a:buFont typeface="Arial" panose="020B0604020202020204" pitchFamily="34" charset="0"/>
+              <a:buChar char="•"/>
+              <a:defRPr sz="1800" kern="1200">
+                <a:solidFill>
+                  <a:schemeClr val="tx1"/>
+                </a:solidFill>
+                <a:latin typeface="+mn-lt"/>
+                <a:ea typeface="+mn-ea"/>
+                <a:cs typeface="+mn-cs"/>
+              </a:defRPr>
+            </a:lvl7pPr>
+            <a:lvl8pPr marL="3429000" indent="-228600" algn="l" defTabSz="914400" rtl="0" eaLnBrk="1" latinLnBrk="0" hangingPunct="1">
+              <a:lnSpc>
+                <a:spcPct val="90000"/>
+              </a:lnSpc>
+              <a:spcBef>
+                <a:spcPts val="500"/>
+              </a:spcBef>
+              <a:buFont typeface="Arial" panose="020B0604020202020204" pitchFamily="34" charset="0"/>
+              <a:buChar char="•"/>
+              <a:defRPr sz="1800" kern="1200">
+                <a:solidFill>
+                  <a:schemeClr val="tx1"/>
+                </a:solidFill>
+                <a:latin typeface="+mn-lt"/>
+                <a:ea typeface="+mn-ea"/>
+                <a:cs typeface="+mn-cs"/>
+              </a:defRPr>
+            </a:lvl8pPr>
+            <a:lvl9pPr marL="3886200" indent="-228600" algn="l" defTabSz="914400" rtl="0" eaLnBrk="1" latinLnBrk="0" hangingPunct="1">
+              <a:lnSpc>
+                <a:spcPct val="90000"/>
+              </a:lnSpc>
+              <a:spcBef>
+                <a:spcPts val="500"/>
+              </a:spcBef>
+              <a:buFont typeface="Arial" panose="020B0604020202020204" pitchFamily="34" charset="0"/>
+              <a:buChar char="•"/>
+              <a:defRPr sz="1800" kern="1200">
+                <a:solidFill>
+                  <a:schemeClr val="tx1"/>
+                </a:solidFill>
+                <a:latin typeface="+mn-lt"/>
+                <a:ea typeface="+mn-ea"/>
+                <a:cs typeface="+mn-cs"/>
+              </a:defRPr>
+            </a:lvl9pPr>
+          </a:lstStyle>
+          <a:p>
+            <a:pPr marL="0" indent="0">
+              <a:buNone/>
+            </a:pPr>
+            <a:r>
+              <a:rPr lang="en-US" sz="3000" b="1" dirty="0">
+                <a:solidFill>
+                  <a:schemeClr val="bg1"/>
+                </a:solidFill>
+                <a:latin typeface="Verdana" panose="020B0604030504040204" pitchFamily="34" charset="0"/>
+                <a:ea typeface="Verdana" panose="020B0604030504040204" pitchFamily="34" charset="0"/>
+              </a:rPr>
+              <a:t>Tristen Jussaume</a:t>
+            </a:r>
+          </a:p>
+          <a:p>
+            <a:pPr marL="0" indent="0">
+              <a:buNone/>
+            </a:pPr>
+            <a:endParaRPr lang="en-US" b="1" dirty="0">
+              <a:solidFill>
+                <a:schemeClr val="bg1"/>
+              </a:solidFill>
+              <a:latin typeface="Verdana" panose="020B0604030504040204" pitchFamily="34" charset="0"/>
+              <a:ea typeface="Verdana" panose="020B0604030504040204" pitchFamily="34" charset="0"/>
+            </a:endParaRPr>
+          </a:p>
+          <a:p>
+            <a:r>
+              <a:rPr lang="en-US" sz="2600" b="0" dirty="0">
+                <a:solidFill>
+                  <a:schemeClr val="bg1"/>
+                </a:solidFill>
+                <a:effectLst/>
+                <a:latin typeface="Verdana" panose="020B0604030504040204" pitchFamily="34" charset="0"/>
+                <a:ea typeface="Verdana" panose="020B0604030504040204" pitchFamily="34" charset="0"/>
+              </a:rPr>
+              <a:t>Dashboard</a:t>
+            </a:r>
+            <a:endParaRPr lang="en-US" sz="2600" dirty="0">
+              <a:solidFill>
+                <a:schemeClr val="bg1"/>
+              </a:solidFill>
+              <a:latin typeface="Verdana" panose="020B0604030504040204" pitchFamily="34" charset="0"/>
+              <a:ea typeface="Verdana" panose="020B0604030504040204" pitchFamily="34" charset="0"/>
+            </a:endParaRPr>
+          </a:p>
+          <a:p>
+            <a:r>
+              <a:rPr lang="en-US" sz="2600" dirty="0">
+                <a:solidFill>
+                  <a:schemeClr val="bg1"/>
+                </a:solidFill>
+                <a:latin typeface="Verdana" panose="020B0604030504040204" pitchFamily="34" charset="0"/>
+                <a:ea typeface="Verdana" panose="020B0604030504040204" pitchFamily="34" charset="0"/>
+              </a:rPr>
+              <a:t>Database relationships</a:t>
+            </a:r>
+          </a:p>
+          <a:p>
+            <a:r>
+              <a:rPr lang="en-US" sz="2600" dirty="0">
+                <a:solidFill>
+                  <a:schemeClr val="bg1"/>
+                </a:solidFill>
+                <a:latin typeface="Verdana" panose="020B0604030504040204" pitchFamily="34" charset="0"/>
+                <a:ea typeface="Verdana" panose="020B0604030504040204" pitchFamily="34" charset="0"/>
+              </a:rPr>
+              <a:t>Requesting jobs</a:t>
+            </a:r>
+          </a:p>
+          <a:p>
+            <a:r>
+              <a:rPr lang="en-US" sz="2600" dirty="0">
+                <a:solidFill>
+                  <a:schemeClr val="bg1"/>
+                </a:solidFill>
+                <a:latin typeface="Verdana" panose="020B0604030504040204" pitchFamily="34" charset="0"/>
+                <a:ea typeface="Verdana" panose="020B0604030504040204" pitchFamily="34" charset="0"/>
+              </a:rPr>
+              <a:t>Accepting job requests</a:t>
+            </a:r>
+          </a:p>
+          <a:p>
+            <a:r>
+              <a:rPr lang="en-US" sz="2600" dirty="0">
+                <a:solidFill>
+                  <a:schemeClr val="bg1"/>
+                </a:solidFill>
+                <a:latin typeface="Verdana" panose="020B0604030504040204" pitchFamily="34" charset="0"/>
+                <a:ea typeface="Verdana" panose="020B0604030504040204" pitchFamily="34" charset="0"/>
+              </a:rPr>
+              <a:t>Calculating/storing reviews</a:t>
+            </a:r>
+          </a:p>
+          <a:p>
+            <a:r>
+              <a:rPr lang="en-US" sz="2600" dirty="0">
+                <a:solidFill>
+                  <a:schemeClr val="bg1"/>
+                </a:solidFill>
+                <a:latin typeface="Verdana" panose="020B0604030504040204" pitchFamily="34" charset="0"/>
+                <a:ea typeface="Verdana" panose="020B0604030504040204" pitchFamily="34" charset="0"/>
+              </a:rPr>
+              <a:t>Moving job to in progress</a:t>
+            </a:r>
+          </a:p>
+          <a:p>
+            <a:r>
+              <a:rPr lang="en-US" sz="2600" dirty="0">
+                <a:solidFill>
+                  <a:schemeClr val="bg1"/>
+                </a:solidFill>
+                <a:latin typeface="Verdana" panose="020B0604030504040204" pitchFamily="34" charset="0"/>
+                <a:ea typeface="Verdana" panose="020B0604030504040204" pitchFamily="34" charset="0"/>
+              </a:rPr>
+              <a:t>Moving job to complete</a:t>
+            </a:r>
+          </a:p>
+          <a:p>
+            <a:r>
+              <a:rPr lang="en-US" sz="2600" dirty="0">
+                <a:solidFill>
+                  <a:schemeClr val="bg1"/>
+                </a:solidFill>
+                <a:latin typeface="Verdana" panose="020B0604030504040204" pitchFamily="34" charset="0"/>
+                <a:ea typeface="Verdana" panose="020B0604030504040204" pitchFamily="34" charset="0"/>
+              </a:rPr>
+              <a:t>Open job/public profile view</a:t>
+            </a:r>
+          </a:p>
+          <a:p>
+            <a:pPr marL="0" indent="0">
+              <a:buNone/>
+            </a:pPr>
+            <a:endParaRPr lang="en-US" b="1" dirty="0">
+              <a:solidFill>
+                <a:schemeClr val="bg1"/>
+              </a:solidFill>
+              <a:latin typeface="Verdana" panose="020B0604030504040204" pitchFamily="34" charset="0"/>
+              <a:ea typeface="Verdana" panose="020B0604030504040204" pitchFamily="34" charset="0"/>
+            </a:endParaRPr>
           </a:p>
         </p:txBody>
       </p:sp>
     </p:spTree>
     <p:extLst>
       <p:ext uri="{BB962C8B-B14F-4D97-AF65-F5344CB8AC3E}">
-        <p14:creationId xmlns:p14="http://schemas.microsoft.com/office/powerpoint/2010/main" val="2676401164"/>
+        <p14:creationId xmlns:p14="http://schemas.microsoft.com/office/powerpoint/2010/main" val="4151172344"/>
       </p:ext>
     </p:extLst>
   </p:cSld>
@@ -3578,6 +4352,53 @@
           <a:chExt cx="0" cy="0"/>
         </a:xfrm>
       </p:grpSpPr>
+      <p:pic>
+        <p:nvPicPr>
+          <p:cNvPr id="4" name="Picture 10" descr="Cool dark backgrounds wallpaper black texture - Black Texture PPT Background">
+            <a:extLst>
+              <a:ext uri="{FF2B5EF4-FFF2-40B4-BE49-F238E27FC236}">
+                <a16:creationId xmlns:a16="http://schemas.microsoft.com/office/drawing/2014/main" id="{96698976-AE2F-980D-6666-E145A4B09E4E}"/>
+              </a:ext>
+            </a:extLst>
+          </p:cNvPr>
+          <p:cNvPicPr>
+            <a:picLocks noChangeAspect="1" noChangeArrowheads="1"/>
+          </p:cNvPicPr>
+          <p:nvPr/>
+        </p:nvPicPr>
+        <p:blipFill>
+          <a:blip r:embed="rId2">
+            <a:extLst>
+              <a:ext uri="{28A0092B-C50C-407E-A947-70E740481C1C}">
+                <a14:useLocalDpi xmlns:a14="http://schemas.microsoft.com/office/drawing/2010/main" val="0"/>
+              </a:ext>
+            </a:extLst>
+          </a:blip>
+          <a:srcRect/>
+          <a:stretch>
+            <a:fillRect/>
+          </a:stretch>
+        </p:blipFill>
+        <p:spPr bwMode="auto">
+          <a:xfrm>
+            <a:off x="0" y="0"/>
+            <a:ext cx="12192000" cy="6858000"/>
+          </a:xfrm>
+          <a:prstGeom prst="rect">
+            <a:avLst/>
+          </a:prstGeom>
+          <a:noFill/>
+          <a:extLst>
+            <a:ext uri="{909E8E84-426E-40DD-AFC4-6F175D3DCCD1}">
+              <a14:hiddenFill xmlns:a14="http://schemas.microsoft.com/office/drawing/2010/main">
+                <a:solidFill>
+                  <a:srgbClr val="FFFFFF"/>
+                </a:solidFill>
+              </a14:hiddenFill>
+            </a:ext>
+          </a:extLst>
+        </p:spPr>
+      </p:pic>
       <p:sp>
         <p:nvSpPr>
           <p:cNvPr id="2" name="Title 1">
@@ -3600,7 +4421,13 @@
           <a:lstStyle/>
           <a:p>
             <a:r>
-              <a:rPr lang="en-US" dirty="0"/>
+              <a:rPr lang="en-US" b="1" dirty="0">
+                <a:solidFill>
+                  <a:schemeClr val="bg1"/>
+                </a:solidFill>
+                <a:latin typeface="Verdana" panose="020B0604030504040204" pitchFamily="34" charset="0"/>
+                <a:ea typeface="Verdana" panose="020B0604030504040204" pitchFamily="34" charset="0"/>
+              </a:rPr>
               <a:t>Timeline</a:t>
             </a:r>
           </a:p>
@@ -3627,7 +4454,16 @@
           <a:bodyPr/>
           <a:lstStyle/>
           <a:p>
-            <a:endParaRPr lang="en-US"/>
+            <a:r>
+              <a:rPr lang="en-US" dirty="0">
+                <a:solidFill>
+                  <a:schemeClr val="bg1"/>
+                </a:solidFill>
+                <a:latin typeface="Verdana" panose="020B0604030504040204" pitchFamily="34" charset="0"/>
+                <a:ea typeface="Verdana" panose="020B0604030504040204" pitchFamily="34" charset="0"/>
+              </a:rPr>
+              <a:t>10 weeks</a:t>
+            </a:r>
           </a:p>
         </p:txBody>
       </p:sp>
@@ -3661,6 +4497,53 @@
           <a:chExt cx="0" cy="0"/>
         </a:xfrm>
       </p:grpSpPr>
+      <p:pic>
+        <p:nvPicPr>
+          <p:cNvPr id="4" name="Picture 10" descr="Cool dark backgrounds wallpaper black texture - Black Texture PPT Background">
+            <a:extLst>
+              <a:ext uri="{FF2B5EF4-FFF2-40B4-BE49-F238E27FC236}">
+                <a16:creationId xmlns:a16="http://schemas.microsoft.com/office/drawing/2014/main" id="{70544C7F-B440-9004-705F-6C515EB8C52E}"/>
+              </a:ext>
+            </a:extLst>
+          </p:cNvPr>
+          <p:cNvPicPr>
+            <a:picLocks noChangeAspect="1" noChangeArrowheads="1"/>
+          </p:cNvPicPr>
+          <p:nvPr/>
+        </p:nvPicPr>
+        <p:blipFill>
+          <a:blip r:embed="rId2">
+            <a:extLst>
+              <a:ext uri="{28A0092B-C50C-407E-A947-70E740481C1C}">
+                <a14:useLocalDpi xmlns:a14="http://schemas.microsoft.com/office/drawing/2010/main" val="0"/>
+              </a:ext>
+            </a:extLst>
+          </a:blip>
+          <a:srcRect/>
+          <a:stretch>
+            <a:fillRect/>
+          </a:stretch>
+        </p:blipFill>
+        <p:spPr bwMode="auto">
+          <a:xfrm>
+            <a:off x="0" y="0"/>
+            <a:ext cx="12192000" cy="6858000"/>
+          </a:xfrm>
+          <a:prstGeom prst="rect">
+            <a:avLst/>
+          </a:prstGeom>
+          <a:noFill/>
+          <a:extLst>
+            <a:ext uri="{909E8E84-426E-40DD-AFC4-6F175D3DCCD1}">
+              <a14:hiddenFill xmlns:a14="http://schemas.microsoft.com/office/drawing/2010/main">
+                <a:solidFill>
+                  <a:srgbClr val="FFFFFF"/>
+                </a:solidFill>
+              </a14:hiddenFill>
+            </a:ext>
+          </a:extLst>
+        </p:spPr>
+      </p:pic>
       <p:sp>
         <p:nvSpPr>
           <p:cNvPr id="2" name="Title 1">
@@ -3683,7 +4566,13 @@
           <a:lstStyle/>
           <a:p>
             <a:r>
-              <a:rPr lang="en-US" dirty="0"/>
+              <a:rPr lang="en-US" b="1" dirty="0">
+                <a:solidFill>
+                  <a:schemeClr val="bg1"/>
+                </a:solidFill>
+                <a:latin typeface="Verdana" panose="020B0604030504040204" pitchFamily="34" charset="0"/>
+                <a:ea typeface="Verdana" panose="020B0604030504040204" pitchFamily="34" charset="0"/>
+              </a:rPr>
               <a:t>Database Organization</a:t>
             </a:r>
           </a:p>
@@ -3710,10 +4599,66 @@
           <a:bodyPr/>
           <a:lstStyle/>
           <a:p>
-            <a:endParaRPr lang="en-US"/>
-          </a:p>
-        </p:txBody>
-      </p:sp>
+            <a:r>
+              <a:rPr lang="en-US" dirty="0">
+                <a:solidFill>
+                  <a:schemeClr val="bg1"/>
+                </a:solidFill>
+                <a:latin typeface="Verdana" panose="020B0604030504040204" pitchFamily="34" charset="0"/>
+                <a:ea typeface="Verdana" panose="020B0604030504040204" pitchFamily="34" charset="0"/>
+              </a:rPr>
+              <a:t>5 tables in a MySQL database</a:t>
+            </a:r>
+          </a:p>
+        </p:txBody>
+      </p:sp>
+      <p:pic>
+        <p:nvPicPr>
+          <p:cNvPr id="8194" name="Picture 2" descr="MySQL logo and symbol, meaning, history, PNG">
+            <a:extLst>
+              <a:ext uri="{FF2B5EF4-FFF2-40B4-BE49-F238E27FC236}">
+                <a16:creationId xmlns:a16="http://schemas.microsoft.com/office/drawing/2014/main" id="{DAEB60CB-0C16-1B16-1320-7EB854B58D36}"/>
+              </a:ext>
+            </a:extLst>
+          </p:cNvPr>
+          <p:cNvPicPr>
+            <a:picLocks noChangeAspect="1" noChangeArrowheads="1"/>
+          </p:cNvPicPr>
+          <p:nvPr/>
+        </p:nvPicPr>
+        <p:blipFill>
+          <a:blip r:embed="rId3">
+            <a:extLst>
+              <a:ext uri="{28A0092B-C50C-407E-A947-70E740481C1C}">
+                <a14:useLocalDpi xmlns:a14="http://schemas.microsoft.com/office/drawing/2010/main" val="0"/>
+              </a:ext>
+            </a:extLst>
+          </a:blip>
+          <a:srcRect/>
+          <a:stretch>
+            <a:fillRect/>
+          </a:stretch>
+        </p:blipFill>
+        <p:spPr bwMode="auto">
+          <a:xfrm>
+            <a:off x="7636828" y="3853183"/>
+            <a:ext cx="3716972" cy="2323780"/>
+          </a:xfrm>
+          <a:prstGeom prst="rect">
+            <a:avLst/>
+          </a:prstGeom>
+          <a:noFill/>
+          <a:extLst>
+            <a:ext uri="{909E8E84-426E-40DD-AFC4-6F175D3DCCD1}">
+              <a14:hiddenFill xmlns:a14="http://schemas.microsoft.com/office/drawing/2010/main">
+                <a:solidFill>
+                  <a:srgbClr val="FFFFFF"/>
+                </a:solidFill>
+              </a14:hiddenFill>
+            </a:ext>
+          </a:extLst>
+        </p:spPr>
+      </p:pic>
     </p:spTree>
     <p:extLst>
       <p:ext uri="{BB962C8B-B14F-4D97-AF65-F5344CB8AC3E}">
@@ -3744,6 +4689,53 @@
           <a:chExt cx="0" cy="0"/>
         </a:xfrm>
       </p:grpSpPr>
+      <p:pic>
+        <p:nvPicPr>
+          <p:cNvPr id="4" name="Picture 10" descr="Cool dark backgrounds wallpaper black texture - Black Texture PPT Background">
+            <a:extLst>
+              <a:ext uri="{FF2B5EF4-FFF2-40B4-BE49-F238E27FC236}">
+                <a16:creationId xmlns:a16="http://schemas.microsoft.com/office/drawing/2014/main" id="{2AF59E79-D860-40D0-612A-A4547F34AF76}"/>
+              </a:ext>
+            </a:extLst>
+          </p:cNvPr>
+          <p:cNvPicPr>
+            <a:picLocks noChangeAspect="1" noChangeArrowheads="1"/>
+          </p:cNvPicPr>
+          <p:nvPr/>
+        </p:nvPicPr>
+        <p:blipFill>
+          <a:blip r:embed="rId2">
+            <a:extLst>
+              <a:ext uri="{28A0092B-C50C-407E-A947-70E740481C1C}">
+                <a14:useLocalDpi xmlns:a14="http://schemas.microsoft.com/office/drawing/2010/main" val="0"/>
+              </a:ext>
+            </a:extLst>
+          </a:blip>
+          <a:srcRect/>
+          <a:stretch>
+            <a:fillRect/>
+          </a:stretch>
+        </p:blipFill>
+        <p:spPr bwMode="auto">
+          <a:xfrm>
+            <a:off x="0" y="0"/>
+            <a:ext cx="12192000" cy="6858000"/>
+          </a:xfrm>
+          <a:prstGeom prst="rect">
+            <a:avLst/>
+          </a:prstGeom>
+          <a:noFill/>
+          <a:extLst>
+            <a:ext uri="{909E8E84-426E-40DD-AFC4-6F175D3DCCD1}">
+              <a14:hiddenFill xmlns:a14="http://schemas.microsoft.com/office/drawing/2010/main">
+                <a:solidFill>
+                  <a:srgbClr val="FFFFFF"/>
+                </a:solidFill>
+              </a14:hiddenFill>
+            </a:ext>
+          </a:extLst>
+        </p:spPr>
+      </p:pic>
       <p:sp>
         <p:nvSpPr>
           <p:cNvPr id="2" name="Title 1">
@@ -3766,7 +4758,13 @@
           <a:lstStyle/>
           <a:p>
             <a:r>
-              <a:rPr lang="en-US" dirty="0"/>
+              <a:rPr lang="en-US" b="1" dirty="0">
+                <a:solidFill>
+                  <a:schemeClr val="bg1"/>
+                </a:solidFill>
+                <a:latin typeface="Verdana" panose="020B0604030504040204" pitchFamily="34" charset="0"/>
+                <a:ea typeface="Verdana" panose="020B0604030504040204" pitchFamily="34" charset="0"/>
+              </a:rPr>
               <a:t>Obstacles Overcame</a:t>
             </a:r>
           </a:p>
@@ -3793,10 +4791,114 @@
           <a:bodyPr/>
           <a:lstStyle/>
           <a:p>
-            <a:endParaRPr lang="en-US"/>
-          </a:p>
-        </p:txBody>
-      </p:sp>
+            <a:r>
+              <a:rPr lang="en-US" dirty="0">
+                <a:solidFill>
+                  <a:schemeClr val="bg1"/>
+                </a:solidFill>
+                <a:latin typeface="Verdana" panose="020B0604030504040204" pitchFamily="34" charset="0"/>
+                <a:ea typeface="Verdana" panose="020B0604030504040204" pitchFamily="34" charset="0"/>
+              </a:rPr>
+              <a:t>First long-term collaboration project</a:t>
+            </a:r>
+          </a:p>
+          <a:p>
+            <a:r>
+              <a:rPr lang="en-US" dirty="0">
+                <a:solidFill>
+                  <a:schemeClr val="bg1"/>
+                </a:solidFill>
+                <a:latin typeface="Verdana" panose="020B0604030504040204" pitchFamily="34" charset="0"/>
+                <a:ea typeface="Verdana" panose="020B0604030504040204" pitchFamily="34" charset="0"/>
+              </a:rPr>
+              <a:t>XHR requests/AJAX</a:t>
+            </a:r>
+          </a:p>
+          <a:p>
+            <a:endParaRPr lang="en-US" dirty="0">
+              <a:solidFill>
+                <a:schemeClr val="bg1"/>
+              </a:solidFill>
+              <a:latin typeface="Verdana" panose="020B0604030504040204" pitchFamily="34" charset="0"/>
+              <a:ea typeface="Verdana" panose="020B0604030504040204" pitchFamily="34" charset="0"/>
+            </a:endParaRPr>
+          </a:p>
+          <a:p>
+            <a:endParaRPr lang="en-US" dirty="0">
+              <a:solidFill>
+                <a:schemeClr val="bg1"/>
+              </a:solidFill>
+              <a:latin typeface="Verdana" panose="020B0604030504040204" pitchFamily="34" charset="0"/>
+              <a:ea typeface="Verdana" panose="020B0604030504040204" pitchFamily="34" charset="0"/>
+            </a:endParaRPr>
+          </a:p>
+          <a:p>
+            <a:endParaRPr lang="en-US" dirty="0">
+              <a:solidFill>
+                <a:schemeClr val="bg1"/>
+              </a:solidFill>
+              <a:latin typeface="Verdana" panose="020B0604030504040204" pitchFamily="34" charset="0"/>
+              <a:ea typeface="Verdana" panose="020B0604030504040204" pitchFamily="34" charset="0"/>
+            </a:endParaRPr>
+          </a:p>
+          <a:p>
+            <a:endParaRPr lang="en-US" dirty="0">
+              <a:solidFill>
+                <a:schemeClr val="bg1"/>
+              </a:solidFill>
+              <a:latin typeface="Verdana" panose="020B0604030504040204" pitchFamily="34" charset="0"/>
+              <a:ea typeface="Verdana" panose="020B0604030504040204" pitchFamily="34" charset="0"/>
+            </a:endParaRPr>
+          </a:p>
+        </p:txBody>
+      </p:sp>
+      <p:pic>
+        <p:nvPicPr>
+          <p:cNvPr id="1026" name="Picture 2" descr="Overcoming Obstacles PNG, Vector, PSD, and Clipart With Transparent  Background for Free Download | Pngtree">
+            <a:extLst>
+              <a:ext uri="{FF2B5EF4-FFF2-40B4-BE49-F238E27FC236}">
+                <a16:creationId xmlns:a16="http://schemas.microsoft.com/office/drawing/2014/main" id="{65E51F89-0566-24C5-0BC2-4B0681B64CAA}"/>
+              </a:ext>
+            </a:extLst>
+          </p:cNvPr>
+          <p:cNvPicPr>
+            <a:picLocks noChangeAspect="1" noChangeArrowheads="1"/>
+          </p:cNvPicPr>
+          <p:nvPr/>
+        </p:nvPicPr>
+        <p:blipFill>
+          <a:blip r:embed="rId3">
+            <a:extLst>
+              <a:ext uri="{28A0092B-C50C-407E-A947-70E740481C1C}">
+                <a14:useLocalDpi xmlns:a14="http://schemas.microsoft.com/office/drawing/2010/main" val="0"/>
+              </a:ext>
+            </a:extLst>
+          </a:blip>
+          <a:srcRect/>
+          <a:stretch>
+            <a:fillRect/>
+          </a:stretch>
+        </p:blipFill>
+        <p:spPr bwMode="auto">
+          <a:xfrm>
+            <a:off x="6886004" y="1759268"/>
+            <a:ext cx="5098732" cy="5098732"/>
+          </a:xfrm>
+          <a:prstGeom prst="rect">
+            <a:avLst/>
+          </a:prstGeom>
+          <a:noFill/>
+          <a:extLst>
+            <a:ext uri="{909E8E84-426E-40DD-AFC4-6F175D3DCCD1}">
+              <a14:hiddenFill xmlns:a14="http://schemas.microsoft.com/office/drawing/2010/main">
+                <a:solidFill>
+                  <a:srgbClr val="FFFFFF"/>
+                </a:solidFill>
+              </a14:hiddenFill>
+            </a:ext>
+          </a:extLst>
+        </p:spPr>
+      </p:pic>
     </p:spTree>
     <p:extLst>
       <p:ext uri="{BB962C8B-B14F-4D97-AF65-F5344CB8AC3E}">
@@ -3827,6 +4929,53 @@
           <a:chExt cx="0" cy="0"/>
         </a:xfrm>
       </p:grpSpPr>
+      <p:pic>
+        <p:nvPicPr>
+          <p:cNvPr id="1034" name="Picture 10" descr="Cool dark backgrounds wallpaper black texture - Black Texture PPT Background">
+            <a:extLst>
+              <a:ext uri="{FF2B5EF4-FFF2-40B4-BE49-F238E27FC236}">
+                <a16:creationId xmlns:a16="http://schemas.microsoft.com/office/drawing/2014/main" id="{199710E5-C55E-EBF6-1240-F99E747F2009}"/>
+              </a:ext>
+            </a:extLst>
+          </p:cNvPr>
+          <p:cNvPicPr>
+            <a:picLocks noChangeAspect="1" noChangeArrowheads="1"/>
+          </p:cNvPicPr>
+          <p:nvPr/>
+        </p:nvPicPr>
+        <p:blipFill>
+          <a:blip r:embed="rId2">
+            <a:extLst>
+              <a:ext uri="{28A0092B-C50C-407E-A947-70E740481C1C}">
+                <a14:useLocalDpi xmlns:a14="http://schemas.microsoft.com/office/drawing/2010/main" val="0"/>
+              </a:ext>
+            </a:extLst>
+          </a:blip>
+          <a:srcRect/>
+          <a:stretch>
+            <a:fillRect/>
+          </a:stretch>
+        </p:blipFill>
+        <p:spPr bwMode="auto">
+          <a:xfrm>
+            <a:off x="0" y="0"/>
+            <a:ext cx="12192000" cy="6858000"/>
+          </a:xfrm>
+          <a:prstGeom prst="rect">
+            <a:avLst/>
+          </a:prstGeom>
+          <a:noFill/>
+          <a:extLst>
+            <a:ext uri="{909E8E84-426E-40DD-AFC4-6F175D3DCCD1}">
+              <a14:hiddenFill xmlns:a14="http://schemas.microsoft.com/office/drawing/2010/main">
+                <a:solidFill>
+                  <a:srgbClr val="FFFFFF"/>
+                </a:solidFill>
+              </a14:hiddenFill>
+            </a:ext>
+          </a:extLst>
+        </p:spPr>
+      </p:pic>
       <p:sp>
         <p:nvSpPr>
           <p:cNvPr id="2" name="Title 1">
@@ -3849,7 +4998,13 @@
           <a:lstStyle/>
           <a:p>
             <a:r>
-              <a:rPr lang="en-US" dirty="0"/>
+              <a:rPr lang="en-US" b="1" dirty="0">
+                <a:solidFill>
+                  <a:schemeClr val="bg1"/>
+                </a:solidFill>
+                <a:latin typeface="Verdana" panose="020B0604030504040204" pitchFamily="34" charset="0"/>
+                <a:ea typeface="Verdana" panose="020B0604030504040204" pitchFamily="34" charset="0"/>
+              </a:rPr>
               <a:t>Technical Design</a:t>
             </a:r>
           </a:p>
@@ -3876,10 +5031,90 @@
           <a:bodyPr/>
           <a:lstStyle/>
           <a:p>
-            <a:endParaRPr lang="en-US"/>
-          </a:p>
-        </p:txBody>
-      </p:sp>
+            <a:r>
+              <a:rPr lang="en-US" dirty="0">
+                <a:solidFill>
+                  <a:schemeClr val="bg1"/>
+                </a:solidFill>
+                <a:latin typeface="Verdana" panose="020B0604030504040204" pitchFamily="34" charset="0"/>
+                <a:ea typeface="Verdana" panose="020B0604030504040204" pitchFamily="34" charset="0"/>
+              </a:rPr>
+              <a:t>Procedural PHP in a Model-View-Controller architecture.</a:t>
+            </a:r>
+          </a:p>
+          <a:p>
+            <a:r>
+              <a:rPr lang="en-US" dirty="0">
+                <a:solidFill>
+                  <a:schemeClr val="bg1"/>
+                </a:solidFill>
+                <a:latin typeface="Verdana" panose="020B0604030504040204" pitchFamily="34" charset="0"/>
+                <a:ea typeface="Verdana" panose="020B0604030504040204" pitchFamily="34" charset="0"/>
+              </a:rPr>
+              <a:t>Requests are processed by checking the URI against an array of routes.</a:t>
+            </a:r>
+          </a:p>
+          <a:p>
+            <a:r>
+              <a:rPr lang="en-US" dirty="0">
+                <a:solidFill>
+                  <a:schemeClr val="bg1"/>
+                </a:solidFill>
+                <a:latin typeface="Verdana" panose="020B0604030504040204" pitchFamily="34" charset="0"/>
+                <a:ea typeface="Verdana" panose="020B0604030504040204" pitchFamily="34" charset="0"/>
+              </a:rPr>
+              <a:t>Backend resources and client-side assets are dynamically rendered to the index file.</a:t>
+            </a:r>
+          </a:p>
+        </p:txBody>
+      </p:sp>
+      <p:pic>
+        <p:nvPicPr>
+          <p:cNvPr id="1036" name="Picture 12" descr="PHP Typed Properties - Entropy Wins">
+            <a:extLst>
+              <a:ext uri="{FF2B5EF4-FFF2-40B4-BE49-F238E27FC236}">
+                <a16:creationId xmlns:a16="http://schemas.microsoft.com/office/drawing/2014/main" id="{F71345BE-2D5A-6843-E3CE-9523AF541B57}"/>
+              </a:ext>
+            </a:extLst>
+          </p:cNvPr>
+          <p:cNvPicPr>
+            <a:picLocks noChangeAspect="1" noChangeArrowheads="1"/>
+          </p:cNvPicPr>
+          <p:nvPr/>
+        </p:nvPicPr>
+        <p:blipFill>
+          <a:blip r:embed="rId3">
+            <a:extLst>
+              <a:ext uri="{28A0092B-C50C-407E-A947-70E740481C1C}">
+                <a14:useLocalDpi xmlns:a14="http://schemas.microsoft.com/office/drawing/2010/main" val="0"/>
+              </a:ext>
+            </a:extLst>
+          </a:blip>
+          <a:srcRect/>
+          <a:stretch>
+            <a:fillRect/>
+          </a:stretch>
+        </p:blipFill>
+        <p:spPr bwMode="auto">
+          <a:xfrm>
+            <a:off x="8788963" y="4561238"/>
+            <a:ext cx="2564837" cy="1758187"/>
+          </a:xfrm>
+          <a:prstGeom prst="rect">
+            <a:avLst/>
+          </a:prstGeom>
+          <a:noFill/>
+          <a:extLst>
+            <a:ext uri="{909E8E84-426E-40DD-AFC4-6F175D3DCCD1}">
+              <a14:hiddenFill xmlns:a14="http://schemas.microsoft.com/office/drawing/2010/main">
+                <a:solidFill>
+                  <a:srgbClr val="FFFFFF"/>
+                </a:solidFill>
+              </a14:hiddenFill>
+            </a:ext>
+          </a:extLst>
+        </p:spPr>
+      </p:pic>
     </p:spTree>
     <p:extLst>
       <p:ext uri="{BB962C8B-B14F-4D97-AF65-F5344CB8AC3E}">
@@ -3910,6 +5145,53 @@
           <a:chExt cx="0" cy="0"/>
         </a:xfrm>
       </p:grpSpPr>
+      <p:pic>
+        <p:nvPicPr>
+          <p:cNvPr id="4" name="Picture 10" descr="Cool dark backgrounds wallpaper black texture - Black Texture PPT Background">
+            <a:extLst>
+              <a:ext uri="{FF2B5EF4-FFF2-40B4-BE49-F238E27FC236}">
+                <a16:creationId xmlns:a16="http://schemas.microsoft.com/office/drawing/2014/main" id="{B4EF83FA-EB90-7F06-45BA-1BA1AF994062}"/>
+              </a:ext>
+            </a:extLst>
+          </p:cNvPr>
+          <p:cNvPicPr>
+            <a:picLocks noChangeAspect="1" noChangeArrowheads="1"/>
+          </p:cNvPicPr>
+          <p:nvPr/>
+        </p:nvPicPr>
+        <p:blipFill>
+          <a:blip r:embed="rId2">
+            <a:extLst>
+              <a:ext uri="{28A0092B-C50C-407E-A947-70E740481C1C}">
+                <a14:useLocalDpi xmlns:a14="http://schemas.microsoft.com/office/drawing/2010/main" val="0"/>
+              </a:ext>
+            </a:extLst>
+          </a:blip>
+          <a:srcRect/>
+          <a:stretch>
+            <a:fillRect/>
+          </a:stretch>
+        </p:blipFill>
+        <p:spPr bwMode="auto">
+          <a:xfrm>
+            <a:off x="0" y="0"/>
+            <a:ext cx="12192000" cy="6858000"/>
+          </a:xfrm>
+          <a:prstGeom prst="rect">
+            <a:avLst/>
+          </a:prstGeom>
+          <a:noFill/>
+          <a:extLst>
+            <a:ext uri="{909E8E84-426E-40DD-AFC4-6F175D3DCCD1}">
+              <a14:hiddenFill xmlns:a14="http://schemas.microsoft.com/office/drawing/2010/main">
+                <a:solidFill>
+                  <a:srgbClr val="FFFFFF"/>
+                </a:solidFill>
+              </a14:hiddenFill>
+            </a:ext>
+          </a:extLst>
+        </p:spPr>
+      </p:pic>
       <p:sp>
         <p:nvSpPr>
           <p:cNvPr id="2" name="Title 1">
@@ -3932,7 +5214,13 @@
           <a:lstStyle/>
           <a:p>
             <a:r>
-              <a:rPr lang="en-US" dirty="0"/>
+              <a:rPr lang="en-US" b="1" dirty="0">
+                <a:solidFill>
+                  <a:schemeClr val="bg1"/>
+                </a:solidFill>
+                <a:latin typeface="Verdana" panose="020B0604030504040204" pitchFamily="34" charset="0"/>
+                <a:ea typeface="Verdana" panose="020B0604030504040204" pitchFamily="34" charset="0"/>
+              </a:rPr>
               <a:t>Summary</a:t>
             </a:r>
           </a:p>
@@ -3959,7 +5247,16 @@
           <a:bodyPr/>
           <a:lstStyle/>
           <a:p>
-            <a:endParaRPr lang="en-US"/>
+            <a:r>
+              <a:rPr lang="en-US" dirty="0">
+                <a:solidFill>
+                  <a:schemeClr val="bg1"/>
+                </a:solidFill>
+                <a:latin typeface="Verdana" panose="020B0604030504040204" pitchFamily="34" charset="0"/>
+                <a:ea typeface="Verdana" panose="020B0604030504040204" pitchFamily="34" charset="0"/>
+              </a:rPr>
+              <a:t>Summary</a:t>
+            </a:r>
           </a:p>
         </p:txBody>
       </p:sp>
@@ -3993,6 +5290,53 @@
           <a:chExt cx="0" cy="0"/>
         </a:xfrm>
       </p:grpSpPr>
+      <p:pic>
+        <p:nvPicPr>
+          <p:cNvPr id="4" name="Picture 10" descr="Cool dark backgrounds wallpaper black texture - Black Texture PPT Background">
+            <a:extLst>
+              <a:ext uri="{FF2B5EF4-FFF2-40B4-BE49-F238E27FC236}">
+                <a16:creationId xmlns:a16="http://schemas.microsoft.com/office/drawing/2014/main" id="{51E1275F-9F99-4BFE-123C-21AA5651F669}"/>
+              </a:ext>
+            </a:extLst>
+          </p:cNvPr>
+          <p:cNvPicPr>
+            <a:picLocks noChangeAspect="1" noChangeArrowheads="1"/>
+          </p:cNvPicPr>
+          <p:nvPr/>
+        </p:nvPicPr>
+        <p:blipFill>
+          <a:blip r:embed="rId2">
+            <a:extLst>
+              <a:ext uri="{28A0092B-C50C-407E-A947-70E740481C1C}">
+                <a14:useLocalDpi xmlns:a14="http://schemas.microsoft.com/office/drawing/2010/main" val="0"/>
+              </a:ext>
+            </a:extLst>
+          </a:blip>
+          <a:srcRect/>
+          <a:stretch>
+            <a:fillRect/>
+          </a:stretch>
+        </p:blipFill>
+        <p:spPr bwMode="auto">
+          <a:xfrm>
+            <a:off x="0" y="0"/>
+            <a:ext cx="12192000" cy="6858000"/>
+          </a:xfrm>
+          <a:prstGeom prst="rect">
+            <a:avLst/>
+          </a:prstGeom>
+          <a:noFill/>
+          <a:extLst>
+            <a:ext uri="{909E8E84-426E-40DD-AFC4-6F175D3DCCD1}">
+              <a14:hiddenFill xmlns:a14="http://schemas.microsoft.com/office/drawing/2010/main">
+                <a:solidFill>
+                  <a:srgbClr val="FFFFFF"/>
+                </a:solidFill>
+              </a14:hiddenFill>
+            </a:ext>
+          </a:extLst>
+        </p:spPr>
+      </p:pic>
       <p:sp>
         <p:nvSpPr>
           <p:cNvPr id="2" name="Title 1">
@@ -4014,38 +5358,137 @@
           <a:bodyPr/>
           <a:lstStyle/>
           <a:p>
-            <a:r>
-              <a:rPr lang="en-US" dirty="0"/>
-              <a:t>Live Demo</a:t>
-            </a:r>
-          </a:p>
-        </p:txBody>
-      </p:sp>
-      <p:sp>
-        <p:nvSpPr>
-          <p:cNvPr id="3" name="Content Placeholder 2">
-            <a:extLst>
-              <a:ext uri="{FF2B5EF4-FFF2-40B4-BE49-F238E27FC236}">
-                <a16:creationId xmlns:a16="http://schemas.microsoft.com/office/drawing/2014/main" id="{698D739B-D25B-AC79-F3B6-A5ACE328A68B}"/>
-              </a:ext>
-            </a:extLst>
-          </p:cNvPr>
-          <p:cNvSpPr>
-            <a:spLocks noGrp="1"/>
-          </p:cNvSpPr>
-          <p:nvPr>
-            <p:ph idx="1"/>
-          </p:nvPr>
-        </p:nvSpPr>
-        <p:spPr/>
-        <p:txBody>
-          <a:bodyPr/>
-          <a:lstStyle/>
-          <a:p>
-            <a:endParaRPr lang="en-US"/>
-          </a:p>
-        </p:txBody>
-      </p:sp>
+            <a:pPr algn="ctr"/>
+            <a:r>
+              <a:rPr lang="en-US" b="1" dirty="0">
+                <a:solidFill>
+                  <a:schemeClr val="bg1"/>
+                </a:solidFill>
+                <a:latin typeface="Verdana" panose="020B0604030504040204" pitchFamily="34" charset="0"/>
+                <a:ea typeface="Verdana" panose="020B0604030504040204" pitchFamily="34" charset="0"/>
+              </a:rPr>
+              <a:t>Live Demo…</a:t>
+            </a:r>
+          </a:p>
+        </p:txBody>
+      </p:sp>
+      <p:pic>
+        <p:nvPicPr>
+          <p:cNvPr id="2052" name="Picture 4" descr="Laptop Coding PNGs for Free Download">
+            <a:extLst>
+              <a:ext uri="{FF2B5EF4-FFF2-40B4-BE49-F238E27FC236}">
+                <a16:creationId xmlns:a16="http://schemas.microsoft.com/office/drawing/2014/main" id="{768B8E41-4DA3-7383-A1BE-40390288FCB7}"/>
+              </a:ext>
+            </a:extLst>
+          </p:cNvPr>
+          <p:cNvPicPr>
+            <a:picLocks noChangeAspect="1" noChangeArrowheads="1"/>
+          </p:cNvPicPr>
+          <p:nvPr/>
+        </p:nvPicPr>
+        <p:blipFill>
+          <a:blip r:embed="rId3">
+            <a:extLst>
+              <a:ext uri="{28A0092B-C50C-407E-A947-70E740481C1C}">
+                <a14:useLocalDpi xmlns:a14="http://schemas.microsoft.com/office/drawing/2010/main" val="0"/>
+              </a:ext>
+            </a:extLst>
+          </a:blip>
+          <a:srcRect/>
+          <a:stretch>
+            <a:fillRect/>
+          </a:stretch>
+        </p:blipFill>
+        <p:spPr bwMode="auto">
+          <a:xfrm>
+            <a:off x="2199640" y="1696641"/>
+            <a:ext cx="4609306" cy="4609306"/>
+          </a:xfrm>
+          <a:prstGeom prst="rect">
+            <a:avLst/>
+          </a:prstGeom>
+          <a:noFill/>
+          <a:extLst>
+            <a:ext uri="{909E8E84-426E-40DD-AFC4-6F175D3DCCD1}">
+              <a14:hiddenFill xmlns:a14="http://schemas.microsoft.com/office/drawing/2010/main">
+                <a:solidFill>
+                  <a:srgbClr val="FFFFFF"/>
+                </a:solidFill>
+              </a14:hiddenFill>
+            </a:ext>
+          </a:extLst>
+        </p:spPr>
+      </p:pic>
+      <p:pic>
+        <p:nvPicPr>
+          <p:cNvPr id="2058" name="Picture 10" descr="Server-Side scripting with XAMPP - Club TechKnowHow!">
+            <a:extLst>
+              <a:ext uri="{FF2B5EF4-FFF2-40B4-BE49-F238E27FC236}">
+                <a16:creationId xmlns:a16="http://schemas.microsoft.com/office/drawing/2014/main" id="{095D323B-E598-BB44-4729-CD9BBD546B02}"/>
+              </a:ext>
+            </a:extLst>
+          </p:cNvPr>
+          <p:cNvPicPr>
+            <a:picLocks noChangeAspect="1" noChangeArrowheads="1"/>
+          </p:cNvPicPr>
+          <p:nvPr/>
+        </p:nvPicPr>
+        <p:blipFill>
+          <a:blip r:embed="rId4">
+            <a:extLst>
+              <a:ext uri="{28A0092B-C50C-407E-A947-70E740481C1C}">
+                <a14:useLocalDpi xmlns:a14="http://schemas.microsoft.com/office/drawing/2010/main" val="0"/>
+              </a:ext>
+            </a:extLst>
+          </a:blip>
+          <a:srcRect/>
+          <a:stretch>
+            <a:fillRect/>
+          </a:stretch>
+        </p:blipFill>
+        <p:spPr bwMode="auto">
+          <a:xfrm>
+            <a:off x="7191611" y="2352040"/>
+            <a:ext cx="2800749" cy="1844040"/>
+          </a:xfrm>
+          <a:prstGeom prst="roundRect">
+            <a:avLst>
+              <a:gd name="adj" fmla="val 16667"/>
+            </a:avLst>
+          </a:prstGeom>
+          <a:ln>
+            <a:noFill/>
+          </a:ln>
+          <a:effectLst>
+            <a:outerShdw blurRad="76200" dist="38100" dir="7800000" algn="tl" rotWithShape="0">
+              <a:srgbClr val="000000">
+                <a:alpha val="40000"/>
+              </a:srgbClr>
+            </a:outerShdw>
+          </a:effectLst>
+          <a:scene3d>
+            <a:camera prst="orthographicFront"/>
+            <a:lightRig rig="contrasting" dir="t">
+              <a:rot lat="0" lon="0" rev="4200000"/>
+            </a:lightRig>
+          </a:scene3d>
+          <a:sp3d prstMaterial="plastic">
+            <a:bevelT w="381000" h="114300" prst="relaxedInset"/>
+            <a:contourClr>
+              <a:srgbClr val="969696"/>
+            </a:contourClr>
+          </a:sp3d>
+          <a:extLst>
+            <a:ext uri="{909E8E84-426E-40DD-AFC4-6F175D3DCCD1}">
+              <a14:hiddenFill xmlns:a14="http://schemas.microsoft.com/office/drawing/2010/main">
+                <a:solidFill>
+                  <a:srgbClr val="FFFFFF"/>
+                </a:solidFill>
+              </a14:hiddenFill>
+            </a:ext>
+          </a:extLst>
+        </p:spPr>
+      </p:pic>
     </p:spTree>
     <p:extLst>
       <p:ext uri="{BB962C8B-B14F-4D97-AF65-F5344CB8AC3E}">

--- a/docs/se265-capstone.pptx
+++ b/docs/se265-capstone.pptx
@@ -267,7 +267,7 @@
           <a:p>
             <a:fld id="{D8C47418-8D9C-4E85-9743-E66306926B0E}" type="datetimeFigureOut">
               <a:rPr lang="en-US" smtClean="0"/>
-              <a:t>9/18/2024</a:t>
+              <a:t>9/19/2024</a:t>
             </a:fld>
             <a:endParaRPr lang="en-US"/>
           </a:p>
@@ -465,7 +465,7 @@
           <a:p>
             <a:fld id="{D8C47418-8D9C-4E85-9743-E66306926B0E}" type="datetimeFigureOut">
               <a:rPr lang="en-US" smtClean="0"/>
-              <a:t>9/18/2024</a:t>
+              <a:t>9/19/2024</a:t>
             </a:fld>
             <a:endParaRPr lang="en-US"/>
           </a:p>
@@ -673,7 +673,7 @@
           <a:p>
             <a:fld id="{D8C47418-8D9C-4E85-9743-E66306926B0E}" type="datetimeFigureOut">
               <a:rPr lang="en-US" smtClean="0"/>
-              <a:t>9/18/2024</a:t>
+              <a:t>9/19/2024</a:t>
             </a:fld>
             <a:endParaRPr lang="en-US"/>
           </a:p>
@@ -871,7 +871,7 @@
           <a:p>
             <a:fld id="{D8C47418-8D9C-4E85-9743-E66306926B0E}" type="datetimeFigureOut">
               <a:rPr lang="en-US" smtClean="0"/>
-              <a:t>9/18/2024</a:t>
+              <a:t>9/19/2024</a:t>
             </a:fld>
             <a:endParaRPr lang="en-US"/>
           </a:p>
@@ -1146,7 +1146,7 @@
           <a:p>
             <a:fld id="{D8C47418-8D9C-4E85-9743-E66306926B0E}" type="datetimeFigureOut">
               <a:rPr lang="en-US" smtClean="0"/>
-              <a:t>9/18/2024</a:t>
+              <a:t>9/19/2024</a:t>
             </a:fld>
             <a:endParaRPr lang="en-US"/>
           </a:p>
@@ -1411,7 +1411,7 @@
           <a:p>
             <a:fld id="{D8C47418-8D9C-4E85-9743-E66306926B0E}" type="datetimeFigureOut">
               <a:rPr lang="en-US" smtClean="0"/>
-              <a:t>9/18/2024</a:t>
+              <a:t>9/19/2024</a:t>
             </a:fld>
             <a:endParaRPr lang="en-US"/>
           </a:p>
@@ -1823,7 +1823,7 @@
           <a:p>
             <a:fld id="{D8C47418-8D9C-4E85-9743-E66306926B0E}" type="datetimeFigureOut">
               <a:rPr lang="en-US" smtClean="0"/>
-              <a:t>9/18/2024</a:t>
+              <a:t>9/19/2024</a:t>
             </a:fld>
             <a:endParaRPr lang="en-US"/>
           </a:p>
@@ -1964,7 +1964,7 @@
           <a:p>
             <a:fld id="{D8C47418-8D9C-4E85-9743-E66306926B0E}" type="datetimeFigureOut">
               <a:rPr lang="en-US" smtClean="0"/>
-              <a:t>9/18/2024</a:t>
+              <a:t>9/19/2024</a:t>
             </a:fld>
             <a:endParaRPr lang="en-US"/>
           </a:p>
@@ -2077,7 +2077,7 @@
           <a:p>
             <a:fld id="{D8C47418-8D9C-4E85-9743-E66306926B0E}" type="datetimeFigureOut">
               <a:rPr lang="en-US" smtClean="0"/>
-              <a:t>9/18/2024</a:t>
+              <a:t>9/19/2024</a:t>
             </a:fld>
             <a:endParaRPr lang="en-US"/>
           </a:p>
@@ -2388,7 +2388,7 @@
           <a:p>
             <a:fld id="{D8C47418-8D9C-4E85-9743-E66306926B0E}" type="datetimeFigureOut">
               <a:rPr lang="en-US" smtClean="0"/>
-              <a:t>9/18/2024</a:t>
+              <a:t>9/19/2024</a:t>
             </a:fld>
             <a:endParaRPr lang="en-US"/>
           </a:p>
@@ -2676,7 +2676,7 @@
           <a:p>
             <a:fld id="{D8C47418-8D9C-4E85-9743-E66306926B0E}" type="datetimeFigureOut">
               <a:rPr lang="en-US" smtClean="0"/>
-              <a:t>9/18/2024</a:t>
+              <a:t>9/19/2024</a:t>
             </a:fld>
             <a:endParaRPr lang="en-US"/>
           </a:p>
@@ -2917,7 +2917,7 @@
           <a:p>
             <a:fld id="{D8C47418-8D9C-4E85-9743-E66306926B0E}" type="datetimeFigureOut">
               <a:rPr lang="en-US" smtClean="0"/>
-              <a:t>9/18/2024</a:t>
+              <a:t>9/19/2024</a:t>
             </a:fld>
             <a:endParaRPr lang="en-US"/>
           </a:p>
@@ -4449,12 +4449,27 @@
             <p:ph idx="1"/>
           </p:nvPr>
         </p:nvSpPr>
-        <p:spPr/>
+        <p:spPr>
+          <a:xfrm>
+            <a:off x="838200" y="1825625"/>
+            <a:ext cx="10856976" cy="4351338"/>
+          </a:xfrm>
+        </p:spPr>
         <p:txBody>
           <a:bodyPr/>
           <a:lstStyle/>
           <a:p>
             <a:r>
+              <a:rPr lang="en-US" b="1" dirty="0">
+                <a:solidFill>
+                  <a:schemeClr val="bg1"/>
+                </a:solidFill>
+                <a:latin typeface="Verdana" panose="020B0604030504040204" pitchFamily="34" charset="0"/>
+                <a:ea typeface="Verdana" panose="020B0604030504040204" pitchFamily="34" charset="0"/>
+              </a:rPr>
+              <a:t>1</a:t>
+            </a:r>
+            <a:r>
               <a:rPr lang="en-US" dirty="0">
                 <a:solidFill>
                   <a:schemeClr val="bg1"/>
@@ -4462,8 +4477,232 @@
                 <a:latin typeface="Verdana" panose="020B0604030504040204" pitchFamily="34" charset="0"/>
                 <a:ea typeface="Verdana" panose="020B0604030504040204" pitchFamily="34" charset="0"/>
               </a:rPr>
-              <a:t>10 weeks</a:t>
-            </a:r>
+              <a:t> week to plan idea and directory setup.</a:t>
+            </a:r>
+          </a:p>
+          <a:p>
+            <a:r>
+              <a:rPr lang="en-US" dirty="0">
+                <a:solidFill>
+                  <a:schemeClr val="bg1"/>
+                </a:solidFill>
+                <a:latin typeface="Verdana" panose="020B0604030504040204" pitchFamily="34" charset="0"/>
+                <a:ea typeface="Verdana" panose="020B0604030504040204" pitchFamily="34" charset="0"/>
+              </a:rPr>
+              <a:t>Weeks </a:t>
+            </a:r>
+            <a:r>
+              <a:rPr lang="en-US" b="1" dirty="0">
+                <a:solidFill>
+                  <a:schemeClr val="bg1"/>
+                </a:solidFill>
+                <a:latin typeface="Verdana" panose="020B0604030504040204" pitchFamily="34" charset="0"/>
+                <a:ea typeface="Verdana" panose="020B0604030504040204" pitchFamily="34" charset="0"/>
+              </a:rPr>
+              <a:t>2-3</a:t>
+            </a:r>
+            <a:r>
+              <a:rPr lang="en-US" dirty="0">
+                <a:solidFill>
+                  <a:schemeClr val="bg1"/>
+                </a:solidFill>
+                <a:latin typeface="Verdana" panose="020B0604030504040204" pitchFamily="34" charset="0"/>
+                <a:ea typeface="Verdana" panose="020B0604030504040204" pitchFamily="34" charset="0"/>
+              </a:rPr>
+              <a:t> to plan database and prototype design.</a:t>
+            </a:r>
+          </a:p>
+          <a:p>
+            <a:r>
+              <a:rPr lang="en-US" dirty="0">
+                <a:solidFill>
+                  <a:schemeClr val="bg1"/>
+                </a:solidFill>
+                <a:latin typeface="Verdana" panose="020B0604030504040204" pitchFamily="34" charset="0"/>
+                <a:ea typeface="Verdana" panose="020B0604030504040204" pitchFamily="34" charset="0"/>
+              </a:rPr>
+              <a:t>Weeks </a:t>
+            </a:r>
+            <a:r>
+              <a:rPr lang="en-US" b="1" dirty="0">
+                <a:solidFill>
+                  <a:schemeClr val="bg1"/>
+                </a:solidFill>
+                <a:latin typeface="Verdana" panose="020B0604030504040204" pitchFamily="34" charset="0"/>
+                <a:ea typeface="Verdana" panose="020B0604030504040204" pitchFamily="34" charset="0"/>
+              </a:rPr>
+              <a:t>4-5</a:t>
+            </a:r>
+            <a:r>
+              <a:rPr lang="en-US" dirty="0">
+                <a:solidFill>
+                  <a:schemeClr val="bg1"/>
+                </a:solidFill>
+                <a:latin typeface="Verdana" panose="020B0604030504040204" pitchFamily="34" charset="0"/>
+                <a:ea typeface="Verdana" panose="020B0604030504040204" pitchFamily="34" charset="0"/>
+              </a:rPr>
+              <a:t> to complete user functionalities.</a:t>
+            </a:r>
+          </a:p>
+          <a:p>
+            <a:r>
+              <a:rPr lang="en-US" dirty="0">
+                <a:solidFill>
+                  <a:schemeClr val="bg1"/>
+                </a:solidFill>
+                <a:latin typeface="Verdana" panose="020B0604030504040204" pitchFamily="34" charset="0"/>
+                <a:ea typeface="Verdana" panose="020B0604030504040204" pitchFamily="34" charset="0"/>
+              </a:rPr>
+              <a:t>Weeks </a:t>
+            </a:r>
+            <a:r>
+              <a:rPr lang="en-US" b="1" dirty="0">
+                <a:solidFill>
+                  <a:schemeClr val="bg1"/>
+                </a:solidFill>
+                <a:latin typeface="Verdana" panose="020B0604030504040204" pitchFamily="34" charset="0"/>
+                <a:ea typeface="Verdana" panose="020B0604030504040204" pitchFamily="34" charset="0"/>
+              </a:rPr>
+              <a:t>5-7</a:t>
+            </a:r>
+            <a:r>
+              <a:rPr lang="en-US" dirty="0">
+                <a:solidFill>
+                  <a:schemeClr val="bg1"/>
+                </a:solidFill>
+                <a:latin typeface="Verdana" panose="020B0604030504040204" pitchFamily="34" charset="0"/>
+                <a:ea typeface="Verdana" panose="020B0604030504040204" pitchFamily="34" charset="0"/>
+              </a:rPr>
+              <a:t> to complete job functionalities with requests.</a:t>
+            </a:r>
+          </a:p>
+          <a:p>
+            <a:r>
+              <a:rPr lang="en-US" dirty="0">
+                <a:solidFill>
+                  <a:schemeClr val="bg1"/>
+                </a:solidFill>
+                <a:latin typeface="Verdana" panose="020B0604030504040204" pitchFamily="34" charset="0"/>
+                <a:ea typeface="Verdana" panose="020B0604030504040204" pitchFamily="34" charset="0"/>
+              </a:rPr>
+              <a:t>Week </a:t>
+            </a:r>
+            <a:r>
+              <a:rPr lang="en-US" b="1" dirty="0">
+                <a:solidFill>
+                  <a:schemeClr val="bg1"/>
+                </a:solidFill>
+                <a:latin typeface="Verdana" panose="020B0604030504040204" pitchFamily="34" charset="0"/>
+                <a:ea typeface="Verdana" panose="020B0604030504040204" pitchFamily="34" charset="0"/>
+              </a:rPr>
+              <a:t>7</a:t>
+            </a:r>
+            <a:r>
+              <a:rPr lang="en-US" dirty="0">
+                <a:solidFill>
+                  <a:schemeClr val="bg1"/>
+                </a:solidFill>
+                <a:latin typeface="Verdana" panose="020B0604030504040204" pitchFamily="34" charset="0"/>
+                <a:ea typeface="Verdana" panose="020B0604030504040204" pitchFamily="34" charset="0"/>
+              </a:rPr>
+              <a:t> to add skills to jobs.</a:t>
+            </a:r>
+            <a:endParaRPr lang="en-US" b="1" dirty="0">
+              <a:solidFill>
+                <a:schemeClr val="bg1"/>
+              </a:solidFill>
+              <a:latin typeface="Verdana" panose="020B0604030504040204" pitchFamily="34" charset="0"/>
+              <a:ea typeface="Verdana" panose="020B0604030504040204" pitchFamily="34" charset="0"/>
+            </a:endParaRPr>
+          </a:p>
+          <a:p>
+            <a:r>
+              <a:rPr lang="en-US" dirty="0">
+                <a:solidFill>
+                  <a:schemeClr val="bg1"/>
+                </a:solidFill>
+                <a:latin typeface="Verdana" panose="020B0604030504040204" pitchFamily="34" charset="0"/>
+                <a:ea typeface="Verdana" panose="020B0604030504040204" pitchFamily="34" charset="0"/>
+              </a:rPr>
+              <a:t>Weeks </a:t>
+            </a:r>
+            <a:r>
+              <a:rPr lang="en-US" b="1" dirty="0">
+                <a:solidFill>
+                  <a:schemeClr val="bg1"/>
+                </a:solidFill>
+                <a:latin typeface="Verdana" panose="020B0604030504040204" pitchFamily="34" charset="0"/>
+                <a:ea typeface="Verdana" panose="020B0604030504040204" pitchFamily="34" charset="0"/>
+              </a:rPr>
+              <a:t>7-8</a:t>
+            </a:r>
+            <a:r>
+              <a:rPr lang="en-US" dirty="0">
+                <a:solidFill>
+                  <a:schemeClr val="bg1"/>
+                </a:solidFill>
+                <a:latin typeface="Verdana" panose="020B0604030504040204" pitchFamily="34" charset="0"/>
+                <a:ea typeface="Verdana" panose="020B0604030504040204" pitchFamily="34" charset="0"/>
+              </a:rPr>
+              <a:t> to complete add reviews to users.</a:t>
+            </a:r>
+          </a:p>
+          <a:p>
+            <a:r>
+              <a:rPr lang="en-US" dirty="0">
+                <a:solidFill>
+                  <a:schemeClr val="bg1"/>
+                </a:solidFill>
+                <a:latin typeface="Verdana" panose="020B0604030504040204" pitchFamily="34" charset="0"/>
+                <a:ea typeface="Verdana" panose="020B0604030504040204" pitchFamily="34" charset="0"/>
+              </a:rPr>
+              <a:t>Weeks </a:t>
+            </a:r>
+            <a:r>
+              <a:rPr lang="en-US" b="1" dirty="0">
+                <a:solidFill>
+                  <a:schemeClr val="bg1"/>
+                </a:solidFill>
+                <a:latin typeface="Verdana" panose="020B0604030504040204" pitchFamily="34" charset="0"/>
+                <a:ea typeface="Verdana" panose="020B0604030504040204" pitchFamily="34" charset="0"/>
+              </a:rPr>
+              <a:t>8-10</a:t>
+            </a:r>
+            <a:r>
+              <a:rPr lang="en-US" dirty="0">
+                <a:solidFill>
+                  <a:schemeClr val="bg1"/>
+                </a:solidFill>
+                <a:latin typeface="Verdana" panose="020B0604030504040204" pitchFamily="34" charset="0"/>
+                <a:ea typeface="Verdana" panose="020B0604030504040204" pitchFamily="34" charset="0"/>
+              </a:rPr>
+              <a:t> to finalize and fix bugs.</a:t>
+            </a:r>
+            <a:endParaRPr lang="en-US" b="1" dirty="0">
+              <a:solidFill>
+                <a:schemeClr val="bg1"/>
+              </a:solidFill>
+              <a:latin typeface="Verdana" panose="020B0604030504040204" pitchFamily="34" charset="0"/>
+              <a:ea typeface="Verdana" panose="020B0604030504040204" pitchFamily="34" charset="0"/>
+            </a:endParaRPr>
+          </a:p>
+          <a:p>
+            <a:endParaRPr lang="en-US" dirty="0">
+              <a:solidFill>
+                <a:schemeClr val="bg1"/>
+              </a:solidFill>
+              <a:latin typeface="Verdana" panose="020B0604030504040204" pitchFamily="34" charset="0"/>
+              <a:ea typeface="Verdana" panose="020B0604030504040204" pitchFamily="34" charset="0"/>
+            </a:endParaRPr>
+          </a:p>
+          <a:p>
+            <a:endParaRPr lang="en-US" dirty="0">
+              <a:solidFill>
+                <a:schemeClr val="bg1"/>
+              </a:solidFill>
+              <a:latin typeface="Verdana" panose="020B0604030504040204" pitchFamily="34" charset="0"/>
+              <a:ea typeface="Verdana" panose="020B0604030504040204" pitchFamily="34" charset="0"/>
+            </a:endParaRPr>
           </a:p>
         </p:txBody>
       </p:sp>
@@ -4599,6 +4838,33 @@
           <a:bodyPr/>
           <a:lstStyle/>
           <a:p>
+            <a:pPr marL="0" indent="0">
+              <a:buNone/>
+            </a:pPr>
+            <a:r>
+              <a:rPr lang="en-US" b="1" dirty="0">
+                <a:solidFill>
+                  <a:schemeClr val="bg1"/>
+                </a:solidFill>
+                <a:latin typeface="Verdana" panose="020B0604030504040204" pitchFamily="34" charset="0"/>
+                <a:ea typeface="Verdana" panose="020B0604030504040204" pitchFamily="34" charset="0"/>
+              </a:rPr>
+              <a:t>6 tables in a MySQL database</a:t>
+            </a:r>
+          </a:p>
+          <a:p>
+            <a:pPr marL="0" indent="0">
+              <a:buNone/>
+            </a:pPr>
+            <a:endParaRPr lang="en-US" dirty="0">
+              <a:solidFill>
+                <a:schemeClr val="bg1"/>
+              </a:solidFill>
+              <a:latin typeface="Verdana" panose="020B0604030504040204" pitchFamily="34" charset="0"/>
+              <a:ea typeface="Verdana" panose="020B0604030504040204" pitchFamily="34" charset="0"/>
+            </a:endParaRPr>
+          </a:p>
+          <a:p>
             <a:r>
               <a:rPr lang="en-US" dirty="0">
                 <a:solidFill>
@@ -4607,7 +4873,67 @@
                 <a:latin typeface="Verdana" panose="020B0604030504040204" pitchFamily="34" charset="0"/>
                 <a:ea typeface="Verdana" panose="020B0604030504040204" pitchFamily="34" charset="0"/>
               </a:rPr>
-              <a:t>5 tables in a MySQL database</a:t>
+              <a:t>Jobs</a:t>
+            </a:r>
+          </a:p>
+          <a:p>
+            <a:r>
+              <a:rPr lang="en-US" dirty="0">
+                <a:solidFill>
+                  <a:schemeClr val="bg1"/>
+                </a:solidFill>
+                <a:latin typeface="Verdana" panose="020B0604030504040204" pitchFamily="34" charset="0"/>
+                <a:ea typeface="Verdana" panose="020B0604030504040204" pitchFamily="34" charset="0"/>
+              </a:rPr>
+              <a:t>JobSkills</a:t>
+            </a:r>
+          </a:p>
+          <a:p>
+            <a:r>
+              <a:rPr lang="en-US" dirty="0">
+                <a:solidFill>
+                  <a:schemeClr val="bg1"/>
+                </a:solidFill>
+                <a:latin typeface="Verdana" panose="020B0604030504040204" pitchFamily="34" charset="0"/>
+                <a:ea typeface="Verdana" panose="020B0604030504040204" pitchFamily="34" charset="0"/>
+              </a:rPr>
+              <a:t>Requests</a:t>
+            </a:r>
+          </a:p>
+          <a:p>
+            <a:r>
+              <a:rPr lang="en-US" dirty="0">
+                <a:solidFill>
+                  <a:schemeClr val="bg1"/>
+                </a:solidFill>
+                <a:latin typeface="Verdana" panose="020B0604030504040204" pitchFamily="34" charset="0"/>
+                <a:ea typeface="Verdana" panose="020B0604030504040204" pitchFamily="34" charset="0"/>
+              </a:rPr>
+              <a:t>Reviews</a:t>
+            </a:r>
+          </a:p>
+          <a:p>
+            <a:r>
+              <a:rPr lang="en-US" dirty="0">
+                <a:solidFill>
+                  <a:schemeClr val="bg1"/>
+                </a:solidFill>
+                <a:latin typeface="Verdana" panose="020B0604030504040204" pitchFamily="34" charset="0"/>
+                <a:ea typeface="Verdana" panose="020B0604030504040204" pitchFamily="34" charset="0"/>
+              </a:rPr>
+              <a:t>Skills</a:t>
+            </a:r>
+          </a:p>
+          <a:p>
+            <a:r>
+              <a:rPr lang="en-US" dirty="0">
+                <a:solidFill>
+                  <a:schemeClr val="bg1"/>
+                </a:solidFill>
+                <a:latin typeface="Verdana" panose="020B0604030504040204" pitchFamily="34" charset="0"/>
+                <a:ea typeface="Verdana" panose="020B0604030504040204" pitchFamily="34" charset="0"/>
+              </a:rPr>
+              <a:t>Users</a:t>
             </a:r>
           </a:p>
         </p:txBody>
@@ -4799,6 +5125,18 @@
                 <a:latin typeface="Verdana" panose="020B0604030504040204" pitchFamily="34" charset="0"/>
                 <a:ea typeface="Verdana" panose="020B0604030504040204" pitchFamily="34" charset="0"/>
               </a:rPr>
+              <a:t>Planning the idea and executing it</a:t>
+            </a:r>
+          </a:p>
+          <a:p>
+            <a:r>
+              <a:rPr lang="en-US" dirty="0">
+                <a:solidFill>
+                  <a:schemeClr val="bg1"/>
+                </a:solidFill>
+                <a:latin typeface="Verdana" panose="020B0604030504040204" pitchFamily="34" charset="0"/>
+                <a:ea typeface="Verdana" panose="020B0604030504040204" pitchFamily="34" charset="0"/>
+              </a:rPr>
               <a:t>First long-term collaboration project</a:t>
             </a:r>
           </a:p>
@@ -4815,13 +5153,52 @@
             </a:r>
           </a:p>
           <a:p>
-            <a:endParaRPr lang="en-US" dirty="0">
-              <a:solidFill>
-                <a:schemeClr val="bg1"/>
-              </a:solidFill>
-              <a:latin typeface="Verdana" panose="020B0604030504040204" pitchFamily="34" charset="0"/>
-              <a:ea typeface="Verdana" panose="020B0604030504040204" pitchFamily="34" charset="0"/>
-            </a:endParaRPr>
+            <a:r>
+              <a:rPr lang="en-US" dirty="0">
+                <a:solidFill>
+                  <a:schemeClr val="bg1"/>
+                </a:solidFill>
+                <a:latin typeface="Verdana" panose="020B0604030504040204" pitchFamily="34" charset="0"/>
+                <a:ea typeface="Verdana" panose="020B0604030504040204" pitchFamily="34" charset="0"/>
+              </a:rPr>
+              <a:t>jQuery/JavaScript</a:t>
+            </a:r>
+          </a:p>
+          <a:p>
+            <a:r>
+              <a:rPr lang="en-US" dirty="0">
+                <a:solidFill>
+                  <a:schemeClr val="bg1"/>
+                </a:solidFill>
+                <a:latin typeface="Verdana" panose="020B0604030504040204" pitchFamily="34" charset="0"/>
+                <a:ea typeface="Verdana" panose="020B0604030504040204" pitchFamily="34" charset="0"/>
+              </a:rPr>
+              <a:t>GitHub</a:t>
+            </a:r>
+          </a:p>
+          <a:p>
+            <a:r>
+              <a:rPr lang="en-US" dirty="0">
+                <a:solidFill>
+                  <a:schemeClr val="bg1"/>
+                </a:solidFill>
+                <a:latin typeface="Verdana" panose="020B0604030504040204" pitchFamily="34" charset="0"/>
+                <a:ea typeface="Verdana" panose="020B0604030504040204" pitchFamily="34" charset="0"/>
+              </a:rPr>
+              <a:t>Time management</a:t>
+            </a:r>
+          </a:p>
+          <a:p>
+            <a:r>
+              <a:rPr lang="en-US" dirty="0">
+                <a:solidFill>
+                  <a:schemeClr val="bg1"/>
+                </a:solidFill>
+                <a:latin typeface="Verdana" panose="020B0604030504040204" pitchFamily="34" charset="0"/>
+                <a:ea typeface="Verdana" panose="020B0604030504040204" pitchFamily="34" charset="0"/>
+              </a:rPr>
+              <a:t>Number of SQL tables</a:t>
+            </a:r>
           </a:p>
           <a:p>
             <a:endParaRPr lang="en-US" dirty="0">
@@ -5242,7 +5619,12 @@
             <p:ph idx="1"/>
           </p:nvPr>
         </p:nvSpPr>
-        <p:spPr/>
+        <p:spPr>
+          <a:xfrm>
+            <a:off x="838200" y="1825625"/>
+            <a:ext cx="10515600" cy="4351338"/>
+          </a:xfrm>
+        </p:spPr>
         <p:txBody>
           <a:bodyPr/>
           <a:lstStyle/>
@@ -5255,8 +5637,74 @@
                 <a:latin typeface="Verdana" panose="020B0604030504040204" pitchFamily="34" charset="0"/>
                 <a:ea typeface="Verdana" panose="020B0604030504040204" pitchFamily="34" charset="0"/>
               </a:rPr>
-              <a:t>Summary</a:t>
-            </a:r>
+              <a:t>Great learning experience</a:t>
+            </a:r>
+          </a:p>
+          <a:p>
+            <a:r>
+              <a:rPr lang="en-US" dirty="0">
+                <a:solidFill>
+                  <a:schemeClr val="bg1"/>
+                </a:solidFill>
+                <a:latin typeface="Verdana" panose="020B0604030504040204" pitchFamily="34" charset="0"/>
+                <a:ea typeface="Verdana" panose="020B0604030504040204" pitchFamily="34" charset="0"/>
+              </a:rPr>
+              <a:t>Increased skills and repetition in full-stack web development</a:t>
+            </a:r>
+          </a:p>
+          <a:p>
+            <a:r>
+              <a:rPr lang="en-US" dirty="0">
+                <a:solidFill>
+                  <a:schemeClr val="bg1"/>
+                </a:solidFill>
+                <a:latin typeface="Verdana" panose="020B0604030504040204" pitchFamily="34" charset="0"/>
+                <a:ea typeface="Verdana" panose="020B0604030504040204" pitchFamily="34" charset="0"/>
+              </a:rPr>
+              <a:t>SQL practice</a:t>
+            </a:r>
+          </a:p>
+          <a:p>
+            <a:r>
+              <a:rPr lang="en-US" dirty="0">
+                <a:solidFill>
+                  <a:schemeClr val="bg1"/>
+                </a:solidFill>
+                <a:latin typeface="Verdana" panose="020B0604030504040204" pitchFamily="34" charset="0"/>
+                <a:ea typeface="Verdana" panose="020B0604030504040204" pitchFamily="34" charset="0"/>
+              </a:rPr>
+              <a:t>A test of our hard and soft skills</a:t>
+            </a:r>
+          </a:p>
+          <a:p>
+            <a:r>
+              <a:rPr lang="en-US" dirty="0">
+                <a:solidFill>
+                  <a:schemeClr val="bg1"/>
+                </a:solidFill>
+                <a:latin typeface="Verdana" panose="020B0604030504040204" pitchFamily="34" charset="0"/>
+                <a:ea typeface="Verdana" panose="020B0604030504040204" pitchFamily="34" charset="0"/>
+              </a:rPr>
+              <a:t>Pushed to create something to the best of our abilities</a:t>
+            </a:r>
+          </a:p>
+          <a:p>
+            <a:endParaRPr lang="en-US" dirty="0">
+              <a:solidFill>
+                <a:schemeClr val="bg1"/>
+              </a:solidFill>
+              <a:latin typeface="Verdana" panose="020B0604030504040204" pitchFamily="34" charset="0"/>
+              <a:ea typeface="Verdana" panose="020B0604030504040204" pitchFamily="34" charset="0"/>
+            </a:endParaRPr>
+          </a:p>
+          <a:p>
+            <a:endParaRPr lang="en-US" dirty="0">
+              <a:solidFill>
+                <a:schemeClr val="bg1"/>
+              </a:solidFill>
+              <a:latin typeface="Verdana" panose="020B0604030504040204" pitchFamily="34" charset="0"/>
+              <a:ea typeface="Verdana" panose="020B0604030504040204" pitchFamily="34" charset="0"/>
+            </a:endParaRPr>
           </a:p>
         </p:txBody>
       </p:sp>
